--- a/Presentation.pptx
+++ b/Presentation.pptx
@@ -6,6 +6,8 @@
   </p:sldMasterIdLst>
   <p:sldIdLst>
     <p:sldId id="256" r:id="rId2"/>
+    <p:sldId id="257" r:id="rId3"/>
+    <p:sldId id="258" r:id="rId4"/>
   </p:sldIdLst>
   <p:sldSz cx="12192000" cy="6858000"/>
   <p:notesSz cx="6858000" cy="9144000"/>
@@ -261,7 +263,7 @@
           <a:p>
             <a:fld id="{3B203DF2-9860-47BD-81AC-30B282A89220}" type="datetimeFigureOut">
               <a:rPr lang="pt-BR" smtClean="0"/>
-              <a:t>06/09/2019</a:t>
+              <a:t>11/09/2019</a:t>
             </a:fld>
             <a:endParaRPr lang="pt-BR"/>
           </a:p>
@@ -461,7 +463,7 @@
           <a:p>
             <a:fld id="{3B203DF2-9860-47BD-81AC-30B282A89220}" type="datetimeFigureOut">
               <a:rPr lang="pt-BR" smtClean="0"/>
-              <a:t>06/09/2019</a:t>
+              <a:t>11/09/2019</a:t>
             </a:fld>
             <a:endParaRPr lang="pt-BR"/>
           </a:p>
@@ -671,7 +673,7 @@
           <a:p>
             <a:fld id="{3B203DF2-9860-47BD-81AC-30B282A89220}" type="datetimeFigureOut">
               <a:rPr lang="pt-BR" smtClean="0"/>
-              <a:t>06/09/2019</a:t>
+              <a:t>11/09/2019</a:t>
             </a:fld>
             <a:endParaRPr lang="pt-BR"/>
           </a:p>
@@ -871,7 +873,7 @@
           <a:p>
             <a:fld id="{3B203DF2-9860-47BD-81AC-30B282A89220}" type="datetimeFigureOut">
               <a:rPr lang="pt-BR" smtClean="0"/>
-              <a:t>06/09/2019</a:t>
+              <a:t>11/09/2019</a:t>
             </a:fld>
             <a:endParaRPr lang="pt-BR"/>
           </a:p>
@@ -1147,7 +1149,7 @@
           <a:p>
             <a:fld id="{3B203DF2-9860-47BD-81AC-30B282A89220}" type="datetimeFigureOut">
               <a:rPr lang="pt-BR" smtClean="0"/>
-              <a:t>06/09/2019</a:t>
+              <a:t>11/09/2019</a:t>
             </a:fld>
             <a:endParaRPr lang="pt-BR"/>
           </a:p>
@@ -1415,7 +1417,7 @@
           <a:p>
             <a:fld id="{3B203DF2-9860-47BD-81AC-30B282A89220}" type="datetimeFigureOut">
               <a:rPr lang="pt-BR" smtClean="0"/>
-              <a:t>06/09/2019</a:t>
+              <a:t>11/09/2019</a:t>
             </a:fld>
             <a:endParaRPr lang="pt-BR"/>
           </a:p>
@@ -1830,7 +1832,7 @@
           <a:p>
             <a:fld id="{3B203DF2-9860-47BD-81AC-30B282A89220}" type="datetimeFigureOut">
               <a:rPr lang="pt-BR" smtClean="0"/>
-              <a:t>06/09/2019</a:t>
+              <a:t>11/09/2019</a:t>
             </a:fld>
             <a:endParaRPr lang="pt-BR"/>
           </a:p>
@@ -1972,7 +1974,7 @@
           <a:p>
             <a:fld id="{3B203DF2-9860-47BD-81AC-30B282A89220}" type="datetimeFigureOut">
               <a:rPr lang="pt-BR" smtClean="0"/>
-              <a:t>06/09/2019</a:t>
+              <a:t>11/09/2019</a:t>
             </a:fld>
             <a:endParaRPr lang="pt-BR"/>
           </a:p>
@@ -2085,7 +2087,7 @@
           <a:p>
             <a:fld id="{3B203DF2-9860-47BD-81AC-30B282A89220}" type="datetimeFigureOut">
               <a:rPr lang="pt-BR" smtClean="0"/>
-              <a:t>06/09/2019</a:t>
+              <a:t>11/09/2019</a:t>
             </a:fld>
             <a:endParaRPr lang="pt-BR"/>
           </a:p>
@@ -2398,7 +2400,7 @@
           <a:p>
             <a:fld id="{3B203DF2-9860-47BD-81AC-30B282A89220}" type="datetimeFigureOut">
               <a:rPr lang="pt-BR" smtClean="0"/>
-              <a:t>06/09/2019</a:t>
+              <a:t>11/09/2019</a:t>
             </a:fld>
             <a:endParaRPr lang="pt-BR"/>
           </a:p>
@@ -2687,7 +2689,7 @@
           <a:p>
             <a:fld id="{3B203DF2-9860-47BD-81AC-30B282A89220}" type="datetimeFigureOut">
               <a:rPr lang="pt-BR" smtClean="0"/>
-              <a:t>06/09/2019</a:t>
+              <a:t>11/09/2019</a:t>
             </a:fld>
             <a:endParaRPr lang="pt-BR"/>
           </a:p>
@@ -2930,7 +2932,7 @@
           <a:p>
             <a:fld id="{3B203DF2-9860-47BD-81AC-30B282A89220}" type="datetimeFigureOut">
               <a:rPr lang="pt-BR" smtClean="0"/>
-              <a:t>06/09/2019</a:t>
+              <a:t>11/09/2019</a:t>
             </a:fld>
             <a:endParaRPr lang="pt-BR"/>
           </a:p>
@@ -4111,6 +4113,2415 @@
 </p:sld>
 </file>
 
+<file path=ppt/slides/slide2.xml><?xml version="1.0" encoding="utf-8"?>
+<p:sld xmlns:a="http://schemas.openxmlformats.org/drawingml/2006/main" xmlns:r="http://schemas.openxmlformats.org/officeDocument/2006/relationships" xmlns:p="http://schemas.openxmlformats.org/presentationml/2006/main">
+  <p:cSld>
+    <p:spTree>
+      <p:nvGrpSpPr>
+        <p:cNvPr id="1" name=""/>
+        <p:cNvGrpSpPr/>
+        <p:nvPr/>
+      </p:nvGrpSpPr>
+      <p:grpSpPr>
+        <a:xfrm>
+          <a:off x="0" y="0"/>
+          <a:ext cx="0" cy="0"/>
+          <a:chOff x="0" y="0"/>
+          <a:chExt cx="0" cy="0"/>
+        </a:xfrm>
+      </p:grpSpPr>
+      <p:sp>
+        <p:nvSpPr>
+          <p:cNvPr id="4" name="Rectangle 3">
+            <a:extLst>
+              <a:ext uri="{FF2B5EF4-FFF2-40B4-BE49-F238E27FC236}">
+                <a16:creationId xmlns:a16="http://schemas.microsoft.com/office/drawing/2014/main" id="{F5F5CE97-5604-443E-9FB8-60C5C5DEBE53}"/>
+              </a:ext>
+            </a:extLst>
+          </p:cNvPr>
+          <p:cNvSpPr/>
+          <p:nvPr/>
+        </p:nvSpPr>
+        <p:spPr>
+          <a:xfrm>
+            <a:off x="185531" y="165652"/>
+            <a:ext cx="11781182" cy="6513444"/>
+          </a:xfrm>
+          <a:prstGeom prst="rect">
+            <a:avLst/>
+          </a:prstGeom>
+          <a:solidFill>
+            <a:srgbClr val="F67EE8"/>
+          </a:solidFill>
+          <a:ln>
+            <a:solidFill>
+              <a:schemeClr val="tx1">
+                <a:lumMod val="85000"/>
+                <a:lumOff val="15000"/>
+              </a:schemeClr>
+            </a:solidFill>
+            <a:prstDash val="dash"/>
+          </a:ln>
+        </p:spPr>
+        <p:style>
+          <a:lnRef idx="2">
+            <a:schemeClr val="accent1">
+              <a:shade val="50000"/>
+            </a:schemeClr>
+          </a:lnRef>
+          <a:fillRef idx="1">
+            <a:schemeClr val="accent1"/>
+          </a:fillRef>
+          <a:effectRef idx="0">
+            <a:schemeClr val="accent1"/>
+          </a:effectRef>
+          <a:fontRef idx="minor">
+            <a:schemeClr val="lt1"/>
+          </a:fontRef>
+        </p:style>
+        <p:txBody>
+          <a:bodyPr rtlCol="0" anchor="ctr"/>
+          <a:lstStyle/>
+          <a:p>
+            <a:pPr marL="0" marR="0" lvl="0" indent="0" algn="ctr" defTabSz="914400" rtl="0" eaLnBrk="1" fontAlgn="auto" latinLnBrk="0" hangingPunct="1">
+              <a:lnSpc>
+                <a:spcPct val="100000"/>
+              </a:lnSpc>
+              <a:spcBef>
+                <a:spcPts val="0"/>
+              </a:spcBef>
+              <a:spcAft>
+                <a:spcPts val="0"/>
+              </a:spcAft>
+              <a:buClrTx/>
+              <a:buSzTx/>
+              <a:buFontTx/>
+              <a:buNone/>
+              <a:tabLst/>
+              <a:defRPr/>
+            </a:pPr>
+            <a:endParaRPr kumimoji="0" lang="pt-BR" sz="1800" b="0" i="0" u="none" strike="noStrike" kern="1200" cap="none" spc="0" normalizeH="0" baseline="0" noProof="0">
+              <a:ln>
+                <a:noFill/>
+              </a:ln>
+              <a:solidFill>
+                <a:prstClr val="white"/>
+              </a:solidFill>
+              <a:effectLst/>
+              <a:uLnTx/>
+              <a:uFillTx/>
+              <a:latin typeface="Calibri" panose="020F0502020204030204"/>
+              <a:ea typeface="+mn-ea"/>
+              <a:cs typeface="+mn-cs"/>
+            </a:endParaRPr>
+          </a:p>
+        </p:txBody>
+      </p:sp>
+      <p:sp>
+        <p:nvSpPr>
+          <p:cNvPr id="5" name="Rectangle 4">
+            <a:extLst>
+              <a:ext uri="{FF2B5EF4-FFF2-40B4-BE49-F238E27FC236}">
+                <a16:creationId xmlns:a16="http://schemas.microsoft.com/office/drawing/2014/main" id="{59D2877B-1458-4837-9B8A-63A508D235F1}"/>
+              </a:ext>
+            </a:extLst>
+          </p:cNvPr>
+          <p:cNvSpPr/>
+          <p:nvPr/>
+        </p:nvSpPr>
+        <p:spPr>
+          <a:xfrm>
+            <a:off x="185531" y="1232452"/>
+            <a:ext cx="11779200" cy="5446644"/>
+          </a:xfrm>
+          <a:prstGeom prst="rect">
+            <a:avLst/>
+          </a:prstGeom>
+          <a:solidFill>
+            <a:schemeClr val="bg1"/>
+          </a:solidFill>
+          <a:ln>
+            <a:solidFill>
+              <a:schemeClr val="tx1">
+                <a:lumMod val="85000"/>
+                <a:lumOff val="15000"/>
+              </a:schemeClr>
+            </a:solidFill>
+            <a:prstDash val="dash"/>
+          </a:ln>
+        </p:spPr>
+        <p:style>
+          <a:lnRef idx="2">
+            <a:schemeClr val="accent1">
+              <a:shade val="50000"/>
+            </a:schemeClr>
+          </a:lnRef>
+          <a:fillRef idx="1">
+            <a:schemeClr val="accent1"/>
+          </a:fillRef>
+          <a:effectRef idx="0">
+            <a:schemeClr val="accent1"/>
+          </a:effectRef>
+          <a:fontRef idx="minor">
+            <a:schemeClr val="lt1"/>
+          </a:fontRef>
+        </p:style>
+        <p:txBody>
+          <a:bodyPr rtlCol="0" anchor="ctr"/>
+          <a:lstStyle/>
+          <a:p>
+            <a:pPr marL="0" marR="0" lvl="0" indent="0" algn="ctr" defTabSz="914400" rtl="0" eaLnBrk="1" fontAlgn="auto" latinLnBrk="0" hangingPunct="1">
+              <a:lnSpc>
+                <a:spcPct val="100000"/>
+              </a:lnSpc>
+              <a:spcBef>
+                <a:spcPts val="0"/>
+              </a:spcBef>
+              <a:spcAft>
+                <a:spcPts val="0"/>
+              </a:spcAft>
+              <a:buClrTx/>
+              <a:buSzTx/>
+              <a:buFontTx/>
+              <a:buNone/>
+              <a:tabLst/>
+              <a:defRPr/>
+            </a:pPr>
+            <a:endParaRPr kumimoji="0" lang="pt-BR" sz="1800" b="0" i="0" u="none" strike="noStrike" kern="1200" cap="none" spc="0" normalizeH="0" baseline="0" noProof="0">
+              <a:ln>
+                <a:noFill/>
+              </a:ln>
+              <a:solidFill>
+                <a:prstClr val="white"/>
+              </a:solidFill>
+              <a:effectLst/>
+              <a:uLnTx/>
+              <a:uFillTx/>
+              <a:latin typeface="Calibri" panose="020F0502020204030204"/>
+              <a:ea typeface="+mn-ea"/>
+              <a:cs typeface="+mn-cs"/>
+            </a:endParaRPr>
+          </a:p>
+        </p:txBody>
+      </p:sp>
+      <p:sp>
+        <p:nvSpPr>
+          <p:cNvPr id="7" name="Rectangle 6">
+            <a:extLst>
+              <a:ext uri="{FF2B5EF4-FFF2-40B4-BE49-F238E27FC236}">
+                <a16:creationId xmlns:a16="http://schemas.microsoft.com/office/drawing/2014/main" id="{E357E74A-840D-451B-A53A-7113DFBEB826}"/>
+              </a:ext>
+            </a:extLst>
+          </p:cNvPr>
+          <p:cNvSpPr/>
+          <p:nvPr/>
+        </p:nvSpPr>
+        <p:spPr>
+          <a:xfrm>
+            <a:off x="185531" y="152401"/>
+            <a:ext cx="11779200" cy="486000"/>
+          </a:xfrm>
+          <a:prstGeom prst="rect">
+            <a:avLst/>
+          </a:prstGeom>
+          <a:solidFill>
+            <a:srgbClr val="2FC9FF"/>
+          </a:solidFill>
+          <a:ln>
+            <a:solidFill>
+              <a:schemeClr val="tx1">
+                <a:lumMod val="85000"/>
+                <a:lumOff val="15000"/>
+              </a:schemeClr>
+            </a:solidFill>
+            <a:prstDash val="dash"/>
+          </a:ln>
+        </p:spPr>
+        <p:style>
+          <a:lnRef idx="2">
+            <a:schemeClr val="accent1">
+              <a:shade val="50000"/>
+            </a:schemeClr>
+          </a:lnRef>
+          <a:fillRef idx="1">
+            <a:schemeClr val="accent1"/>
+          </a:fillRef>
+          <a:effectRef idx="0">
+            <a:schemeClr val="accent1"/>
+          </a:effectRef>
+          <a:fontRef idx="minor">
+            <a:schemeClr val="lt1"/>
+          </a:fontRef>
+        </p:style>
+        <p:txBody>
+          <a:bodyPr rtlCol="0" anchor="ctr"/>
+          <a:lstStyle/>
+          <a:p>
+            <a:pPr marL="0" marR="0" lvl="0" indent="0" algn="ctr" defTabSz="914400" rtl="0" eaLnBrk="1" fontAlgn="auto" latinLnBrk="0" hangingPunct="1">
+              <a:lnSpc>
+                <a:spcPct val="100000"/>
+              </a:lnSpc>
+              <a:spcBef>
+                <a:spcPts val="0"/>
+              </a:spcBef>
+              <a:spcAft>
+                <a:spcPts val="0"/>
+              </a:spcAft>
+              <a:buClrTx/>
+              <a:buSzTx/>
+              <a:buFontTx/>
+              <a:buNone/>
+              <a:tabLst/>
+              <a:defRPr/>
+            </a:pPr>
+            <a:endParaRPr kumimoji="0" lang="pt-BR" sz="1800" b="0" i="0" u="none" strike="noStrike" kern="1200" cap="none" spc="0" normalizeH="0" baseline="0" noProof="0">
+              <a:ln>
+                <a:noFill/>
+              </a:ln>
+              <a:solidFill>
+                <a:prstClr val="white"/>
+              </a:solidFill>
+              <a:effectLst/>
+              <a:uLnTx/>
+              <a:uFillTx/>
+              <a:latin typeface="Calibri" panose="020F0502020204030204"/>
+              <a:ea typeface="+mn-ea"/>
+              <a:cs typeface="+mn-cs"/>
+            </a:endParaRPr>
+          </a:p>
+        </p:txBody>
+      </p:sp>
+      <p:sp>
+        <p:nvSpPr>
+          <p:cNvPr id="6" name="Rectangle: Rounded Corners 5">
+            <a:extLst>
+              <a:ext uri="{FF2B5EF4-FFF2-40B4-BE49-F238E27FC236}">
+                <a16:creationId xmlns:a16="http://schemas.microsoft.com/office/drawing/2014/main" id="{6D71A02C-0965-43DD-A342-7F5D82D5FFE8}"/>
+              </a:ext>
+            </a:extLst>
+          </p:cNvPr>
+          <p:cNvSpPr/>
+          <p:nvPr/>
+        </p:nvSpPr>
+        <p:spPr>
+          <a:xfrm>
+            <a:off x="238539" y="218660"/>
+            <a:ext cx="1007165" cy="371060"/>
+          </a:xfrm>
+          <a:prstGeom prst="roundRect">
+            <a:avLst/>
+          </a:prstGeom>
+          <a:solidFill>
+            <a:schemeClr val="tx1">
+              <a:lumMod val="65000"/>
+              <a:lumOff val="35000"/>
+            </a:schemeClr>
+          </a:solidFill>
+          <a:ln>
+            <a:solidFill>
+              <a:schemeClr val="tx1">
+                <a:lumMod val="85000"/>
+                <a:lumOff val="15000"/>
+              </a:schemeClr>
+            </a:solidFill>
+            <a:prstDash val="dash"/>
+          </a:ln>
+        </p:spPr>
+        <p:style>
+          <a:lnRef idx="2">
+            <a:schemeClr val="accent1">
+              <a:shade val="50000"/>
+            </a:schemeClr>
+          </a:lnRef>
+          <a:fillRef idx="1">
+            <a:schemeClr val="accent1"/>
+          </a:fillRef>
+          <a:effectRef idx="0">
+            <a:schemeClr val="accent1"/>
+          </a:effectRef>
+          <a:fontRef idx="minor">
+            <a:schemeClr val="lt1"/>
+          </a:fontRef>
+        </p:style>
+        <p:txBody>
+          <a:bodyPr rtlCol="0" anchor="ctr"/>
+          <a:lstStyle/>
+          <a:p>
+            <a:pPr marL="0" marR="0" lvl="0" indent="0" algn="ctr" defTabSz="914400" rtl="0" eaLnBrk="1" fontAlgn="auto" latinLnBrk="0" hangingPunct="1">
+              <a:lnSpc>
+                <a:spcPct val="100000"/>
+              </a:lnSpc>
+              <a:spcBef>
+                <a:spcPts val="0"/>
+              </a:spcBef>
+              <a:spcAft>
+                <a:spcPts val="0"/>
+              </a:spcAft>
+              <a:buClrTx/>
+              <a:buSzTx/>
+              <a:buFontTx/>
+              <a:buNone/>
+              <a:tabLst/>
+              <a:defRPr/>
+            </a:pPr>
+            <a:r>
+              <a:rPr kumimoji="0" lang="pt-BR" sz="1800" b="0" i="0" u="none" strike="noStrike" kern="1200" cap="none" spc="0" normalizeH="0" baseline="0" noProof="0" dirty="0">
+                <a:ln>
+                  <a:noFill/>
+                </a:ln>
+                <a:solidFill>
+                  <a:prstClr val="white"/>
+                </a:solidFill>
+                <a:effectLst/>
+                <a:uLnTx/>
+                <a:uFillTx/>
+                <a:latin typeface="Calibri" panose="020F0502020204030204"/>
+                <a:ea typeface="+mn-ea"/>
+                <a:cs typeface="+mn-cs"/>
+              </a:rPr>
+              <a:t>AKASHA</a:t>
+            </a:r>
+          </a:p>
+        </p:txBody>
+      </p:sp>
+      <p:sp>
+        <p:nvSpPr>
+          <p:cNvPr id="8" name="Rectangle: Rounded Corners 7">
+            <a:extLst>
+              <a:ext uri="{FF2B5EF4-FFF2-40B4-BE49-F238E27FC236}">
+                <a16:creationId xmlns:a16="http://schemas.microsoft.com/office/drawing/2014/main" id="{615B7284-28FF-4655-BBF7-16A54C49E3FB}"/>
+              </a:ext>
+            </a:extLst>
+          </p:cNvPr>
+          <p:cNvSpPr/>
+          <p:nvPr/>
+        </p:nvSpPr>
+        <p:spPr>
+          <a:xfrm>
+            <a:off x="1378225" y="214123"/>
+            <a:ext cx="1908314" cy="371060"/>
+          </a:xfrm>
+          <a:prstGeom prst="roundRect">
+            <a:avLst/>
+          </a:prstGeom>
+          <a:solidFill>
+            <a:srgbClr val="8C3FC5"/>
+          </a:solidFill>
+          <a:ln>
+            <a:solidFill>
+              <a:schemeClr val="tx1">
+                <a:lumMod val="85000"/>
+                <a:lumOff val="15000"/>
+              </a:schemeClr>
+            </a:solidFill>
+            <a:prstDash val="dash"/>
+          </a:ln>
+        </p:spPr>
+        <p:style>
+          <a:lnRef idx="2">
+            <a:schemeClr val="accent1">
+              <a:shade val="50000"/>
+            </a:schemeClr>
+          </a:lnRef>
+          <a:fillRef idx="1">
+            <a:schemeClr val="accent1"/>
+          </a:fillRef>
+          <a:effectRef idx="0">
+            <a:schemeClr val="accent1"/>
+          </a:effectRef>
+          <a:fontRef idx="minor">
+            <a:schemeClr val="lt1"/>
+          </a:fontRef>
+        </p:style>
+        <p:txBody>
+          <a:bodyPr rtlCol="0" anchor="ctr"/>
+          <a:lstStyle/>
+          <a:p>
+            <a:pPr marL="0" marR="0" lvl="0" indent="0" algn="ctr" defTabSz="914400" rtl="0" eaLnBrk="1" fontAlgn="auto" latinLnBrk="0" hangingPunct="1">
+              <a:lnSpc>
+                <a:spcPct val="100000"/>
+              </a:lnSpc>
+              <a:spcBef>
+                <a:spcPts val="0"/>
+              </a:spcBef>
+              <a:spcAft>
+                <a:spcPts val="0"/>
+              </a:spcAft>
+              <a:buClrTx/>
+              <a:buSzTx/>
+              <a:buFontTx/>
+              <a:buNone/>
+              <a:tabLst/>
+              <a:defRPr/>
+            </a:pPr>
+            <a:r>
+              <a:rPr kumimoji="0" lang="pt-BR" sz="1800" b="0" i="0" u="none" strike="noStrike" kern="1200" cap="none" spc="0" normalizeH="0" baseline="0" noProof="0" dirty="0">
+                <a:ln>
+                  <a:noFill/>
+                </a:ln>
+                <a:solidFill>
+                  <a:prstClr val="white"/>
+                </a:solidFill>
+                <a:effectLst/>
+                <a:uLnTx/>
+                <a:uFillTx/>
+                <a:latin typeface="Calibri" panose="020F0502020204030204"/>
+                <a:ea typeface="+mn-ea"/>
+                <a:cs typeface="+mn-cs"/>
+              </a:rPr>
+              <a:t>Bounties Network</a:t>
+            </a:r>
+          </a:p>
+        </p:txBody>
+      </p:sp>
+      <p:sp>
+        <p:nvSpPr>
+          <p:cNvPr id="9" name="Rectangle: Rounded Corners 8">
+            <a:extLst>
+              <a:ext uri="{FF2B5EF4-FFF2-40B4-BE49-F238E27FC236}">
+                <a16:creationId xmlns:a16="http://schemas.microsoft.com/office/drawing/2014/main" id="{822EAF2A-EA87-430E-9CA7-E8F3BAD0D43A}"/>
+              </a:ext>
+            </a:extLst>
+          </p:cNvPr>
+          <p:cNvSpPr/>
+          <p:nvPr/>
+        </p:nvSpPr>
+        <p:spPr>
+          <a:xfrm>
+            <a:off x="3419060" y="214123"/>
+            <a:ext cx="523462" cy="371060"/>
+          </a:xfrm>
+          <a:prstGeom prst="roundRect">
+            <a:avLst/>
+          </a:prstGeom>
+          <a:solidFill>
+            <a:srgbClr val="F67EE8"/>
+          </a:solidFill>
+          <a:ln>
+            <a:solidFill>
+              <a:schemeClr val="tx1">
+                <a:lumMod val="85000"/>
+                <a:lumOff val="15000"/>
+              </a:schemeClr>
+            </a:solidFill>
+            <a:prstDash val="dash"/>
+          </a:ln>
+        </p:spPr>
+        <p:style>
+          <a:lnRef idx="2">
+            <a:schemeClr val="accent1">
+              <a:shade val="50000"/>
+            </a:schemeClr>
+          </a:lnRef>
+          <a:fillRef idx="1">
+            <a:schemeClr val="accent1"/>
+          </a:fillRef>
+          <a:effectRef idx="0">
+            <a:schemeClr val="accent1"/>
+          </a:effectRef>
+          <a:fontRef idx="minor">
+            <a:schemeClr val="lt1"/>
+          </a:fontRef>
+        </p:style>
+        <p:txBody>
+          <a:bodyPr rtlCol="0" anchor="ctr"/>
+          <a:lstStyle/>
+          <a:p>
+            <a:pPr marL="0" marR="0" lvl="0" indent="0" algn="ctr" defTabSz="914400" rtl="0" eaLnBrk="1" fontAlgn="auto" latinLnBrk="0" hangingPunct="1">
+              <a:lnSpc>
+                <a:spcPct val="100000"/>
+              </a:lnSpc>
+              <a:spcBef>
+                <a:spcPts val="0"/>
+              </a:spcBef>
+              <a:spcAft>
+                <a:spcPts val="0"/>
+              </a:spcAft>
+              <a:buClrTx/>
+              <a:buSzTx/>
+              <a:buFontTx/>
+              <a:buNone/>
+              <a:tabLst/>
+              <a:defRPr/>
+            </a:pPr>
+            <a:r>
+              <a:rPr kumimoji="0" lang="pt-BR" sz="1800" b="1" i="0" u="none" strike="noStrike" kern="1200" cap="none" spc="0" normalizeH="0" baseline="0" noProof="0" dirty="0">
+                <a:ln>
+                  <a:noFill/>
+                </a:ln>
+                <a:solidFill>
+                  <a:srgbClr val="7030A0"/>
+                </a:solidFill>
+                <a:effectLst/>
+                <a:uLnTx/>
+                <a:uFillTx/>
+                <a:latin typeface="Calibri" panose="020F0502020204030204"/>
+                <a:ea typeface="+mn-ea"/>
+                <a:cs typeface="+mn-cs"/>
+              </a:rPr>
+              <a:t>+</a:t>
+            </a:r>
+          </a:p>
+        </p:txBody>
+      </p:sp>
+      <p:sp>
+        <p:nvSpPr>
+          <p:cNvPr id="10" name="Rectangle: Rounded Corners 9">
+            <a:extLst>
+              <a:ext uri="{FF2B5EF4-FFF2-40B4-BE49-F238E27FC236}">
+                <a16:creationId xmlns:a16="http://schemas.microsoft.com/office/drawing/2014/main" id="{9F1774C9-BC14-4FC6-A68F-7BFFCE27C147}"/>
+              </a:ext>
+            </a:extLst>
+          </p:cNvPr>
+          <p:cNvSpPr/>
+          <p:nvPr/>
+        </p:nvSpPr>
+        <p:spPr>
+          <a:xfrm>
+            <a:off x="11605592" y="214123"/>
+            <a:ext cx="284921" cy="371060"/>
+          </a:xfrm>
+          <a:prstGeom prst="roundRect">
+            <a:avLst/>
+          </a:prstGeom>
+          <a:solidFill>
+            <a:srgbClr val="FF4343"/>
+          </a:solidFill>
+          <a:ln>
+            <a:solidFill>
+              <a:schemeClr val="tx1">
+                <a:lumMod val="85000"/>
+                <a:lumOff val="15000"/>
+              </a:schemeClr>
+            </a:solidFill>
+            <a:prstDash val="dash"/>
+          </a:ln>
+        </p:spPr>
+        <p:style>
+          <a:lnRef idx="2">
+            <a:schemeClr val="accent1">
+              <a:shade val="50000"/>
+            </a:schemeClr>
+          </a:lnRef>
+          <a:fillRef idx="1">
+            <a:schemeClr val="accent1"/>
+          </a:fillRef>
+          <a:effectRef idx="0">
+            <a:schemeClr val="accent1"/>
+          </a:effectRef>
+          <a:fontRef idx="minor">
+            <a:schemeClr val="lt1"/>
+          </a:fontRef>
+        </p:style>
+        <p:txBody>
+          <a:bodyPr rtlCol="0" anchor="ctr"/>
+          <a:lstStyle/>
+          <a:p>
+            <a:pPr marL="0" marR="0" lvl="0" indent="0" algn="ctr" defTabSz="914400" rtl="0" eaLnBrk="1" fontAlgn="auto" latinLnBrk="0" hangingPunct="1">
+              <a:lnSpc>
+                <a:spcPct val="100000"/>
+              </a:lnSpc>
+              <a:spcBef>
+                <a:spcPts val="0"/>
+              </a:spcBef>
+              <a:spcAft>
+                <a:spcPts val="0"/>
+              </a:spcAft>
+              <a:buClrTx/>
+              <a:buSzTx/>
+              <a:buFontTx/>
+              <a:buNone/>
+              <a:tabLst/>
+              <a:defRPr/>
+            </a:pPr>
+            <a:endParaRPr kumimoji="0" lang="pt-BR" sz="1800" b="1" i="0" u="none" strike="noStrike" kern="1200" cap="none" spc="0" normalizeH="0" baseline="0" noProof="0" dirty="0">
+              <a:ln>
+                <a:noFill/>
+              </a:ln>
+              <a:solidFill>
+                <a:srgbClr val="7030A0"/>
+              </a:solidFill>
+              <a:effectLst/>
+              <a:uLnTx/>
+              <a:uFillTx/>
+              <a:latin typeface="Calibri" panose="020F0502020204030204"/>
+              <a:ea typeface="+mn-ea"/>
+              <a:cs typeface="+mn-cs"/>
+            </a:endParaRPr>
+          </a:p>
+        </p:txBody>
+      </p:sp>
+      <p:sp>
+        <p:nvSpPr>
+          <p:cNvPr id="11" name="Rectangle: Rounded Corners 10">
+            <a:extLst>
+              <a:ext uri="{FF2B5EF4-FFF2-40B4-BE49-F238E27FC236}">
+                <a16:creationId xmlns:a16="http://schemas.microsoft.com/office/drawing/2014/main" id="{9354C568-2CEB-4721-AFC3-F85F8F638ABD}"/>
+              </a:ext>
+            </a:extLst>
+          </p:cNvPr>
+          <p:cNvSpPr/>
+          <p:nvPr/>
+        </p:nvSpPr>
+        <p:spPr>
+          <a:xfrm>
+            <a:off x="11244471" y="214123"/>
+            <a:ext cx="284921" cy="371060"/>
+          </a:xfrm>
+          <a:prstGeom prst="roundRect">
+            <a:avLst/>
+          </a:prstGeom>
+          <a:solidFill>
+            <a:srgbClr val="6666FF"/>
+          </a:solidFill>
+          <a:ln>
+            <a:solidFill>
+              <a:schemeClr val="tx1">
+                <a:lumMod val="85000"/>
+                <a:lumOff val="15000"/>
+              </a:schemeClr>
+            </a:solidFill>
+            <a:prstDash val="dash"/>
+          </a:ln>
+        </p:spPr>
+        <p:style>
+          <a:lnRef idx="2">
+            <a:schemeClr val="accent1">
+              <a:shade val="50000"/>
+            </a:schemeClr>
+          </a:lnRef>
+          <a:fillRef idx="1">
+            <a:schemeClr val="accent1"/>
+          </a:fillRef>
+          <a:effectRef idx="0">
+            <a:schemeClr val="accent1"/>
+          </a:effectRef>
+          <a:fontRef idx="minor">
+            <a:schemeClr val="lt1"/>
+          </a:fontRef>
+        </p:style>
+        <p:txBody>
+          <a:bodyPr rtlCol="0" anchor="ctr"/>
+          <a:lstStyle/>
+          <a:p>
+            <a:pPr marL="0" marR="0" lvl="0" indent="0" algn="ctr" defTabSz="914400" rtl="0" eaLnBrk="1" fontAlgn="auto" latinLnBrk="0" hangingPunct="1">
+              <a:lnSpc>
+                <a:spcPct val="100000"/>
+              </a:lnSpc>
+              <a:spcBef>
+                <a:spcPts val="0"/>
+              </a:spcBef>
+              <a:spcAft>
+                <a:spcPts val="0"/>
+              </a:spcAft>
+              <a:buClrTx/>
+              <a:buSzTx/>
+              <a:buFontTx/>
+              <a:buNone/>
+              <a:tabLst/>
+              <a:defRPr/>
+            </a:pPr>
+            <a:endParaRPr kumimoji="0" lang="pt-BR" sz="1800" b="1" i="0" u="none" strike="noStrike" kern="1200" cap="none" spc="0" normalizeH="0" baseline="0" noProof="0" dirty="0">
+              <a:ln>
+                <a:noFill/>
+              </a:ln>
+              <a:solidFill>
+                <a:srgbClr val="7030A0"/>
+              </a:solidFill>
+              <a:effectLst/>
+              <a:uLnTx/>
+              <a:uFillTx/>
+              <a:latin typeface="Calibri" panose="020F0502020204030204"/>
+              <a:ea typeface="+mn-ea"/>
+              <a:cs typeface="+mn-cs"/>
+            </a:endParaRPr>
+          </a:p>
+        </p:txBody>
+      </p:sp>
+      <p:sp>
+        <p:nvSpPr>
+          <p:cNvPr id="13" name="Rectangle: Rounded Corners 12">
+            <a:extLst>
+              <a:ext uri="{FF2B5EF4-FFF2-40B4-BE49-F238E27FC236}">
+                <a16:creationId xmlns:a16="http://schemas.microsoft.com/office/drawing/2014/main" id="{DDE4F045-283A-45F0-A0DC-1A0C79E30D40}"/>
+              </a:ext>
+            </a:extLst>
+          </p:cNvPr>
+          <p:cNvSpPr/>
+          <p:nvPr/>
+        </p:nvSpPr>
+        <p:spPr>
+          <a:xfrm>
+            <a:off x="10883350" y="218660"/>
+            <a:ext cx="284921" cy="371060"/>
+          </a:xfrm>
+          <a:prstGeom prst="roundRect">
+            <a:avLst/>
+          </a:prstGeom>
+          <a:solidFill>
+            <a:srgbClr val="FFC000"/>
+          </a:solidFill>
+          <a:ln>
+            <a:solidFill>
+              <a:schemeClr val="tx1">
+                <a:lumMod val="85000"/>
+                <a:lumOff val="15000"/>
+              </a:schemeClr>
+            </a:solidFill>
+            <a:prstDash val="dash"/>
+          </a:ln>
+        </p:spPr>
+        <p:style>
+          <a:lnRef idx="2">
+            <a:schemeClr val="accent1">
+              <a:shade val="50000"/>
+            </a:schemeClr>
+          </a:lnRef>
+          <a:fillRef idx="1">
+            <a:schemeClr val="accent1"/>
+          </a:fillRef>
+          <a:effectRef idx="0">
+            <a:schemeClr val="accent1"/>
+          </a:effectRef>
+          <a:fontRef idx="minor">
+            <a:schemeClr val="lt1"/>
+          </a:fontRef>
+        </p:style>
+        <p:txBody>
+          <a:bodyPr rtlCol="0" anchor="ctr"/>
+          <a:lstStyle/>
+          <a:p>
+            <a:pPr marL="0" marR="0" lvl="0" indent="0" algn="ctr" defTabSz="914400" rtl="0" eaLnBrk="1" fontAlgn="auto" latinLnBrk="0" hangingPunct="1">
+              <a:lnSpc>
+                <a:spcPct val="100000"/>
+              </a:lnSpc>
+              <a:spcBef>
+                <a:spcPts val="0"/>
+              </a:spcBef>
+              <a:spcAft>
+                <a:spcPts val="0"/>
+              </a:spcAft>
+              <a:buClrTx/>
+              <a:buSzTx/>
+              <a:buFontTx/>
+              <a:buNone/>
+              <a:tabLst/>
+              <a:defRPr/>
+            </a:pPr>
+            <a:endParaRPr kumimoji="0" lang="pt-BR" sz="1800" b="1" i="0" u="none" strike="noStrike" kern="1200" cap="none" spc="0" normalizeH="0" baseline="0" noProof="0" dirty="0">
+              <a:ln>
+                <a:noFill/>
+              </a:ln>
+              <a:solidFill>
+                <a:srgbClr val="7030A0"/>
+              </a:solidFill>
+              <a:effectLst/>
+              <a:uLnTx/>
+              <a:uFillTx/>
+              <a:latin typeface="Calibri" panose="020F0502020204030204"/>
+              <a:ea typeface="+mn-ea"/>
+              <a:cs typeface="+mn-cs"/>
+            </a:endParaRPr>
+          </a:p>
+        </p:txBody>
+      </p:sp>
+      <p:sp>
+        <p:nvSpPr>
+          <p:cNvPr id="18" name="Rectangle: Rounded Corners 17">
+            <a:extLst>
+              <a:ext uri="{FF2B5EF4-FFF2-40B4-BE49-F238E27FC236}">
+                <a16:creationId xmlns:a16="http://schemas.microsoft.com/office/drawing/2014/main" id="{9CBB2DE9-7394-4EDD-8AE4-984B228A59A3}"/>
+              </a:ext>
+            </a:extLst>
+          </p:cNvPr>
+          <p:cNvSpPr/>
+          <p:nvPr/>
+        </p:nvSpPr>
+        <p:spPr>
+          <a:xfrm>
+            <a:off x="3762626" y="744418"/>
+            <a:ext cx="4625009" cy="371060"/>
+          </a:xfrm>
+          <a:prstGeom prst="roundRect">
+            <a:avLst/>
+          </a:prstGeom>
+          <a:solidFill>
+            <a:schemeClr val="bg1">
+              <a:lumMod val="75000"/>
+            </a:schemeClr>
+          </a:solidFill>
+          <a:ln>
+            <a:solidFill>
+              <a:schemeClr val="tx1">
+                <a:lumMod val="85000"/>
+                <a:lumOff val="15000"/>
+              </a:schemeClr>
+            </a:solidFill>
+            <a:prstDash val="dash"/>
+          </a:ln>
+        </p:spPr>
+        <p:style>
+          <a:lnRef idx="2">
+            <a:schemeClr val="accent1">
+              <a:shade val="50000"/>
+            </a:schemeClr>
+          </a:lnRef>
+          <a:fillRef idx="1">
+            <a:schemeClr val="accent1"/>
+          </a:fillRef>
+          <a:effectRef idx="0">
+            <a:schemeClr val="accent1"/>
+          </a:effectRef>
+          <a:fontRef idx="minor">
+            <a:schemeClr val="lt1"/>
+          </a:fontRef>
+        </p:style>
+        <p:txBody>
+          <a:bodyPr rtlCol="0" anchor="ctr"/>
+          <a:lstStyle/>
+          <a:p>
+            <a:pPr marL="0" marR="0" lvl="0" indent="0" algn="ctr" defTabSz="914400" rtl="0" eaLnBrk="1" fontAlgn="auto" latinLnBrk="0" hangingPunct="1">
+              <a:lnSpc>
+                <a:spcPct val="100000"/>
+              </a:lnSpc>
+              <a:spcBef>
+                <a:spcPts val="0"/>
+              </a:spcBef>
+              <a:spcAft>
+                <a:spcPts val="0"/>
+              </a:spcAft>
+              <a:buClrTx/>
+              <a:buSzTx/>
+              <a:buFontTx/>
+              <a:buNone/>
+              <a:tabLst/>
+              <a:defRPr/>
+            </a:pPr>
+            <a:r>
+              <a:rPr kumimoji="0" lang="pt-BR" sz="1800" b="1" i="0" u="none" strike="noStrike" kern="1200" cap="none" spc="0" normalizeH="0" baseline="0" noProof="0" dirty="0">
+                <a:ln>
+                  <a:noFill/>
+                </a:ln>
+                <a:solidFill>
+                  <a:prstClr val="black"/>
+                </a:solidFill>
+                <a:effectLst/>
+                <a:uLnTx/>
+                <a:uFillTx/>
+                <a:latin typeface="Calibri" panose="020F0502020204030204"/>
+                <a:ea typeface="+mn-ea"/>
+                <a:cs typeface="+mn-cs"/>
+              </a:rPr>
+              <a:t>https://site.com</a:t>
+            </a:r>
+          </a:p>
+        </p:txBody>
+      </p:sp>
+      <p:sp>
+        <p:nvSpPr>
+          <p:cNvPr id="19" name="Rectangle: Rounded Corners 18">
+            <a:extLst>
+              <a:ext uri="{FF2B5EF4-FFF2-40B4-BE49-F238E27FC236}">
+                <a16:creationId xmlns:a16="http://schemas.microsoft.com/office/drawing/2014/main" id="{7DB9B4B2-8913-4D7F-A517-6F0246712FDC}"/>
+              </a:ext>
+            </a:extLst>
+          </p:cNvPr>
+          <p:cNvSpPr/>
+          <p:nvPr/>
+        </p:nvSpPr>
+        <p:spPr>
+          <a:xfrm>
+            <a:off x="1882071" y="744861"/>
+            <a:ext cx="370800" cy="371060"/>
+          </a:xfrm>
+          <a:prstGeom prst="roundRect">
+            <a:avLst/>
+          </a:prstGeom>
+          <a:solidFill>
+            <a:srgbClr val="2FC9FF"/>
+          </a:solidFill>
+          <a:ln>
+            <a:solidFill>
+              <a:schemeClr val="tx1">
+                <a:lumMod val="85000"/>
+                <a:lumOff val="15000"/>
+              </a:schemeClr>
+            </a:solidFill>
+            <a:prstDash val="dash"/>
+          </a:ln>
+        </p:spPr>
+        <p:style>
+          <a:lnRef idx="2">
+            <a:schemeClr val="accent1">
+              <a:shade val="50000"/>
+            </a:schemeClr>
+          </a:lnRef>
+          <a:fillRef idx="1">
+            <a:schemeClr val="accent1"/>
+          </a:fillRef>
+          <a:effectRef idx="0">
+            <a:schemeClr val="accent1"/>
+          </a:effectRef>
+          <a:fontRef idx="minor">
+            <a:schemeClr val="lt1"/>
+          </a:fontRef>
+        </p:style>
+        <p:txBody>
+          <a:bodyPr rtlCol="0" anchor="ctr"/>
+          <a:lstStyle/>
+          <a:p>
+            <a:pPr marL="0" marR="0" lvl="0" indent="0" algn="ctr" defTabSz="914400" rtl="0" eaLnBrk="1" fontAlgn="auto" latinLnBrk="0" hangingPunct="1">
+              <a:lnSpc>
+                <a:spcPct val="100000"/>
+              </a:lnSpc>
+              <a:spcBef>
+                <a:spcPts val="0"/>
+              </a:spcBef>
+              <a:spcAft>
+                <a:spcPts val="0"/>
+              </a:spcAft>
+              <a:buClrTx/>
+              <a:buSzTx/>
+              <a:buFontTx/>
+              <a:buNone/>
+              <a:tabLst/>
+              <a:defRPr/>
+            </a:pPr>
+            <a:endParaRPr kumimoji="0" lang="pt-BR" sz="1800" b="1" i="0" u="none" strike="noStrike" kern="1200" cap="none" spc="0" normalizeH="0" baseline="0" noProof="0" dirty="0">
+              <a:ln>
+                <a:noFill/>
+              </a:ln>
+              <a:solidFill>
+                <a:srgbClr val="7030A0"/>
+              </a:solidFill>
+              <a:effectLst/>
+              <a:uLnTx/>
+              <a:uFillTx/>
+              <a:latin typeface="Calibri" panose="020F0502020204030204"/>
+              <a:ea typeface="+mn-ea"/>
+              <a:cs typeface="+mn-cs"/>
+            </a:endParaRPr>
+          </a:p>
+        </p:txBody>
+      </p:sp>
+      <p:sp>
+        <p:nvSpPr>
+          <p:cNvPr id="20" name="Rectangle: Rounded Corners 19">
+            <a:extLst>
+              <a:ext uri="{FF2B5EF4-FFF2-40B4-BE49-F238E27FC236}">
+                <a16:creationId xmlns:a16="http://schemas.microsoft.com/office/drawing/2014/main" id="{DADD572D-EFD1-44AC-BB13-2B898FBCBB54}"/>
+              </a:ext>
+            </a:extLst>
+          </p:cNvPr>
+          <p:cNvSpPr/>
+          <p:nvPr/>
+        </p:nvSpPr>
+        <p:spPr>
+          <a:xfrm>
+            <a:off x="1378489" y="736644"/>
+            <a:ext cx="370800" cy="371060"/>
+          </a:xfrm>
+          <a:prstGeom prst="roundRect">
+            <a:avLst/>
+          </a:prstGeom>
+          <a:solidFill>
+            <a:srgbClr val="2FC9FF"/>
+          </a:solidFill>
+          <a:ln>
+            <a:solidFill>
+              <a:schemeClr val="tx1">
+                <a:lumMod val="85000"/>
+                <a:lumOff val="15000"/>
+              </a:schemeClr>
+            </a:solidFill>
+            <a:prstDash val="dash"/>
+          </a:ln>
+        </p:spPr>
+        <p:style>
+          <a:lnRef idx="2">
+            <a:schemeClr val="accent1">
+              <a:shade val="50000"/>
+            </a:schemeClr>
+          </a:lnRef>
+          <a:fillRef idx="1">
+            <a:schemeClr val="accent1"/>
+          </a:fillRef>
+          <a:effectRef idx="0">
+            <a:schemeClr val="accent1"/>
+          </a:effectRef>
+          <a:fontRef idx="minor">
+            <a:schemeClr val="lt1"/>
+          </a:fontRef>
+        </p:style>
+        <p:txBody>
+          <a:bodyPr rtlCol="0" anchor="ctr"/>
+          <a:lstStyle/>
+          <a:p>
+            <a:pPr marL="0" marR="0" lvl="0" indent="0" algn="ctr" defTabSz="914400" rtl="0" eaLnBrk="1" fontAlgn="auto" latinLnBrk="0" hangingPunct="1">
+              <a:lnSpc>
+                <a:spcPct val="100000"/>
+              </a:lnSpc>
+              <a:spcBef>
+                <a:spcPts val="0"/>
+              </a:spcBef>
+              <a:spcAft>
+                <a:spcPts val="0"/>
+              </a:spcAft>
+              <a:buClrTx/>
+              <a:buSzTx/>
+              <a:buFontTx/>
+              <a:buNone/>
+              <a:tabLst/>
+              <a:defRPr/>
+            </a:pPr>
+            <a:endParaRPr kumimoji="0" lang="pt-BR" sz="1800" b="1" i="0" u="none" strike="noStrike" kern="1200" cap="none" spc="0" normalizeH="0" baseline="0" noProof="0" dirty="0">
+              <a:ln>
+                <a:noFill/>
+              </a:ln>
+              <a:solidFill>
+                <a:srgbClr val="7030A0"/>
+              </a:solidFill>
+              <a:effectLst/>
+              <a:uLnTx/>
+              <a:uFillTx/>
+              <a:latin typeface="Calibri" panose="020F0502020204030204"/>
+              <a:ea typeface="+mn-ea"/>
+              <a:cs typeface="+mn-cs"/>
+            </a:endParaRPr>
+          </a:p>
+        </p:txBody>
+      </p:sp>
+      <p:sp>
+        <p:nvSpPr>
+          <p:cNvPr id="21" name="Oval 20">
+            <a:extLst>
+              <a:ext uri="{FF2B5EF4-FFF2-40B4-BE49-F238E27FC236}">
+                <a16:creationId xmlns:a16="http://schemas.microsoft.com/office/drawing/2014/main" id="{43EDA070-392F-42A5-9C15-3462630CD5EA}"/>
+              </a:ext>
+            </a:extLst>
+          </p:cNvPr>
+          <p:cNvSpPr/>
+          <p:nvPr/>
+        </p:nvSpPr>
+        <p:spPr>
+          <a:xfrm>
+            <a:off x="371322" y="746139"/>
+            <a:ext cx="370800" cy="370800"/>
+          </a:xfrm>
+          <a:prstGeom prst="ellipse">
+            <a:avLst/>
+          </a:prstGeom>
+          <a:solidFill>
+            <a:srgbClr val="2FC9FF"/>
+          </a:solidFill>
+          <a:ln>
+            <a:solidFill>
+              <a:schemeClr val="tx1">
+                <a:lumMod val="85000"/>
+                <a:lumOff val="15000"/>
+              </a:schemeClr>
+            </a:solidFill>
+            <a:prstDash val="dash"/>
+          </a:ln>
+        </p:spPr>
+        <p:style>
+          <a:lnRef idx="2">
+            <a:schemeClr val="accent1">
+              <a:shade val="50000"/>
+            </a:schemeClr>
+          </a:lnRef>
+          <a:fillRef idx="1">
+            <a:schemeClr val="accent1"/>
+          </a:fillRef>
+          <a:effectRef idx="0">
+            <a:schemeClr val="accent1"/>
+          </a:effectRef>
+          <a:fontRef idx="minor">
+            <a:schemeClr val="lt1"/>
+          </a:fontRef>
+        </p:style>
+        <p:txBody>
+          <a:bodyPr rtlCol="0" anchor="ctr"/>
+          <a:lstStyle/>
+          <a:p>
+            <a:pPr marL="0" marR="0" lvl="0" indent="0" algn="ctr" defTabSz="914400" rtl="0" eaLnBrk="1" fontAlgn="auto" latinLnBrk="0" hangingPunct="1">
+              <a:lnSpc>
+                <a:spcPct val="100000"/>
+              </a:lnSpc>
+              <a:spcBef>
+                <a:spcPts val="0"/>
+              </a:spcBef>
+              <a:spcAft>
+                <a:spcPts val="0"/>
+              </a:spcAft>
+              <a:buClrTx/>
+              <a:buSzTx/>
+              <a:buFontTx/>
+              <a:buNone/>
+              <a:tabLst/>
+              <a:defRPr/>
+            </a:pPr>
+            <a:endParaRPr kumimoji="0" lang="pt-BR" sz="1800" b="0" i="0" u="none" strike="noStrike" kern="1200" cap="none" spc="0" normalizeH="0" baseline="0" noProof="0">
+              <a:ln>
+                <a:noFill/>
+              </a:ln>
+              <a:solidFill>
+                <a:prstClr val="white"/>
+              </a:solidFill>
+              <a:effectLst/>
+              <a:uLnTx/>
+              <a:uFillTx/>
+              <a:latin typeface="Calibri" panose="020F0502020204030204"/>
+              <a:ea typeface="+mn-ea"/>
+              <a:cs typeface="+mn-cs"/>
+            </a:endParaRPr>
+          </a:p>
+        </p:txBody>
+      </p:sp>
+      <p:sp>
+        <p:nvSpPr>
+          <p:cNvPr id="22" name="Oval 21">
+            <a:extLst>
+              <a:ext uri="{FF2B5EF4-FFF2-40B4-BE49-F238E27FC236}">
+                <a16:creationId xmlns:a16="http://schemas.microsoft.com/office/drawing/2014/main" id="{0DAFF9AC-DB0C-4EDA-ABDA-FF01A27603B6}"/>
+              </a:ext>
+            </a:extLst>
+          </p:cNvPr>
+          <p:cNvSpPr/>
+          <p:nvPr/>
+        </p:nvSpPr>
+        <p:spPr>
+          <a:xfrm>
+            <a:off x="874904" y="740662"/>
+            <a:ext cx="370800" cy="370800"/>
+          </a:xfrm>
+          <a:prstGeom prst="ellipse">
+            <a:avLst/>
+          </a:prstGeom>
+          <a:solidFill>
+            <a:srgbClr val="2FC9FF"/>
+          </a:solidFill>
+          <a:ln>
+            <a:solidFill>
+              <a:schemeClr val="tx1">
+                <a:lumMod val="85000"/>
+                <a:lumOff val="15000"/>
+              </a:schemeClr>
+            </a:solidFill>
+            <a:prstDash val="dash"/>
+          </a:ln>
+        </p:spPr>
+        <p:style>
+          <a:lnRef idx="2">
+            <a:schemeClr val="accent1">
+              <a:shade val="50000"/>
+            </a:schemeClr>
+          </a:lnRef>
+          <a:fillRef idx="1">
+            <a:schemeClr val="accent1"/>
+          </a:fillRef>
+          <a:effectRef idx="0">
+            <a:schemeClr val="accent1"/>
+          </a:effectRef>
+          <a:fontRef idx="minor">
+            <a:schemeClr val="lt1"/>
+          </a:fontRef>
+        </p:style>
+        <p:txBody>
+          <a:bodyPr rtlCol="0" anchor="ctr"/>
+          <a:lstStyle/>
+          <a:p>
+            <a:pPr marL="0" marR="0" lvl="0" indent="0" algn="ctr" defTabSz="914400" rtl="0" eaLnBrk="1" fontAlgn="auto" latinLnBrk="0" hangingPunct="1">
+              <a:lnSpc>
+                <a:spcPct val="100000"/>
+              </a:lnSpc>
+              <a:spcBef>
+                <a:spcPts val="0"/>
+              </a:spcBef>
+              <a:spcAft>
+                <a:spcPts val="0"/>
+              </a:spcAft>
+              <a:buClrTx/>
+              <a:buSzTx/>
+              <a:buFontTx/>
+              <a:buNone/>
+              <a:tabLst/>
+              <a:defRPr/>
+            </a:pPr>
+            <a:endParaRPr kumimoji="0" lang="pt-BR" sz="1800" b="0" i="0" u="none" strike="noStrike" kern="1200" cap="none" spc="0" normalizeH="0" baseline="0" noProof="0">
+              <a:ln>
+                <a:noFill/>
+              </a:ln>
+              <a:solidFill>
+                <a:prstClr val="white"/>
+              </a:solidFill>
+              <a:effectLst/>
+              <a:uLnTx/>
+              <a:uFillTx/>
+              <a:latin typeface="Calibri" panose="020F0502020204030204"/>
+              <a:ea typeface="+mn-ea"/>
+              <a:cs typeface="+mn-cs"/>
+            </a:endParaRPr>
+          </a:p>
+        </p:txBody>
+      </p:sp>
+      <p:sp>
+        <p:nvSpPr>
+          <p:cNvPr id="23" name="Rectangle: Rounded Corners 22">
+            <a:extLst>
+              <a:ext uri="{FF2B5EF4-FFF2-40B4-BE49-F238E27FC236}">
+                <a16:creationId xmlns:a16="http://schemas.microsoft.com/office/drawing/2014/main" id="{AEE9EC90-1CC6-4F55-B785-761FE27B9D84}"/>
+              </a:ext>
+            </a:extLst>
+          </p:cNvPr>
+          <p:cNvSpPr/>
+          <p:nvPr/>
+        </p:nvSpPr>
+        <p:spPr>
+          <a:xfrm>
+            <a:off x="11343992" y="736644"/>
+            <a:ext cx="370800" cy="371060"/>
+          </a:xfrm>
+          <a:prstGeom prst="roundRect">
+            <a:avLst/>
+          </a:prstGeom>
+          <a:solidFill>
+            <a:srgbClr val="2FC9FF"/>
+          </a:solidFill>
+          <a:ln>
+            <a:solidFill>
+              <a:schemeClr val="tx1">
+                <a:lumMod val="85000"/>
+                <a:lumOff val="15000"/>
+              </a:schemeClr>
+            </a:solidFill>
+            <a:prstDash val="dash"/>
+          </a:ln>
+        </p:spPr>
+        <p:style>
+          <a:lnRef idx="2">
+            <a:schemeClr val="accent1">
+              <a:shade val="50000"/>
+            </a:schemeClr>
+          </a:lnRef>
+          <a:fillRef idx="1">
+            <a:schemeClr val="accent1"/>
+          </a:fillRef>
+          <a:effectRef idx="0">
+            <a:schemeClr val="accent1"/>
+          </a:effectRef>
+          <a:fontRef idx="minor">
+            <a:schemeClr val="lt1"/>
+          </a:fontRef>
+        </p:style>
+        <p:txBody>
+          <a:bodyPr rtlCol="0" anchor="ctr"/>
+          <a:lstStyle/>
+          <a:p>
+            <a:pPr marL="0" marR="0" lvl="0" indent="0" algn="ctr" defTabSz="914400" rtl="0" eaLnBrk="1" fontAlgn="auto" latinLnBrk="0" hangingPunct="1">
+              <a:lnSpc>
+                <a:spcPct val="100000"/>
+              </a:lnSpc>
+              <a:spcBef>
+                <a:spcPts val="0"/>
+              </a:spcBef>
+              <a:spcAft>
+                <a:spcPts val="0"/>
+              </a:spcAft>
+              <a:buClrTx/>
+              <a:buSzTx/>
+              <a:buFontTx/>
+              <a:buNone/>
+              <a:tabLst/>
+              <a:defRPr/>
+            </a:pPr>
+            <a:endParaRPr kumimoji="0" lang="pt-BR" sz="1800" b="1" i="0" u="none" strike="noStrike" kern="1200" cap="none" spc="0" normalizeH="0" baseline="0" noProof="0" dirty="0">
+              <a:ln>
+                <a:noFill/>
+              </a:ln>
+              <a:solidFill>
+                <a:srgbClr val="7030A0"/>
+              </a:solidFill>
+              <a:effectLst/>
+              <a:uLnTx/>
+              <a:uFillTx/>
+              <a:latin typeface="Calibri" panose="020F0502020204030204"/>
+              <a:ea typeface="+mn-ea"/>
+              <a:cs typeface="+mn-cs"/>
+            </a:endParaRPr>
+          </a:p>
+        </p:txBody>
+      </p:sp>
+    </p:spTree>
+    <p:extLst>
+      <p:ext uri="{BB962C8B-B14F-4D97-AF65-F5344CB8AC3E}">
+        <p14:creationId xmlns:p14="http://schemas.microsoft.com/office/powerpoint/2010/main" val="3602926689"/>
+      </p:ext>
+    </p:extLst>
+  </p:cSld>
+  <p:clrMapOvr>
+    <a:masterClrMapping/>
+  </p:clrMapOvr>
+</p:sld>
+</file>
+
+<file path=ppt/slides/slide3.xml><?xml version="1.0" encoding="utf-8"?>
+<p:sld xmlns:a="http://schemas.openxmlformats.org/drawingml/2006/main" xmlns:r="http://schemas.openxmlformats.org/officeDocument/2006/relationships" xmlns:p="http://schemas.openxmlformats.org/presentationml/2006/main">
+  <p:cSld>
+    <p:spTree>
+      <p:nvGrpSpPr>
+        <p:cNvPr id="1" name=""/>
+        <p:cNvGrpSpPr/>
+        <p:nvPr/>
+      </p:nvGrpSpPr>
+      <p:grpSpPr>
+        <a:xfrm>
+          <a:off x="0" y="0"/>
+          <a:ext cx="0" cy="0"/>
+          <a:chOff x="0" y="0"/>
+          <a:chExt cx="0" cy="0"/>
+        </a:xfrm>
+      </p:grpSpPr>
+      <p:sp>
+        <p:nvSpPr>
+          <p:cNvPr id="4" name="Rectangle 3">
+            <a:extLst>
+              <a:ext uri="{FF2B5EF4-FFF2-40B4-BE49-F238E27FC236}">
+                <a16:creationId xmlns:a16="http://schemas.microsoft.com/office/drawing/2014/main" id="{2A2B8CBE-1DFB-4118-9E3A-7314C109A84D}"/>
+              </a:ext>
+            </a:extLst>
+          </p:cNvPr>
+          <p:cNvSpPr/>
+          <p:nvPr/>
+        </p:nvSpPr>
+        <p:spPr>
+          <a:xfrm>
+            <a:off x="6425476" y="3009868"/>
+            <a:ext cx="5330583" cy="3059628"/>
+          </a:xfrm>
+          <a:prstGeom prst="rect">
+            <a:avLst/>
+          </a:prstGeom>
+          <a:gradFill flip="none" rotWithShape="1">
+            <a:gsLst>
+              <a:gs pos="43000">
+                <a:srgbClr val="F0F1F2"/>
+              </a:gs>
+              <a:gs pos="100000">
+                <a:srgbClr val="B3C1C5"/>
+              </a:gs>
+            </a:gsLst>
+            <a:lin ang="5400000" scaled="1"/>
+            <a:tileRect/>
+          </a:gradFill>
+          <a:ln>
+            <a:noFill/>
+          </a:ln>
+          <a:effectLst>
+            <a:outerShdw blurRad="63500" sx="102000" sy="102000" algn="ctr" rotWithShape="0">
+              <a:prstClr val="black">
+                <a:alpha val="40000"/>
+              </a:prstClr>
+            </a:outerShdw>
+          </a:effectLst>
+        </p:spPr>
+        <p:style>
+          <a:lnRef idx="2">
+            <a:schemeClr val="accent1">
+              <a:shade val="50000"/>
+            </a:schemeClr>
+          </a:lnRef>
+          <a:fillRef idx="1">
+            <a:schemeClr val="accent1"/>
+          </a:fillRef>
+          <a:effectRef idx="0">
+            <a:schemeClr val="accent1"/>
+          </a:effectRef>
+          <a:fontRef idx="minor">
+            <a:schemeClr val="lt1"/>
+          </a:fontRef>
+        </p:style>
+        <p:txBody>
+          <a:bodyPr rtlCol="0" anchor="ctr"/>
+          <a:lstStyle/>
+          <a:p>
+            <a:pPr marL="0" marR="0" lvl="0" indent="0" algn="ctr" defTabSz="914400" rtl="0" eaLnBrk="1" fontAlgn="auto" latinLnBrk="0" hangingPunct="1">
+              <a:lnSpc>
+                <a:spcPct val="100000"/>
+              </a:lnSpc>
+              <a:spcBef>
+                <a:spcPts val="0"/>
+              </a:spcBef>
+              <a:spcAft>
+                <a:spcPts val="0"/>
+              </a:spcAft>
+              <a:buClrTx/>
+              <a:buSzTx/>
+              <a:buFontTx/>
+              <a:buNone/>
+              <a:tabLst/>
+              <a:defRPr/>
+            </a:pPr>
+            <a:endParaRPr kumimoji="0" lang="pt-BR" sz="1800" b="0" i="0" u="none" strike="noStrike" kern="1200" cap="none" spc="0" normalizeH="0" baseline="0" noProof="0">
+              <a:ln>
+                <a:noFill/>
+              </a:ln>
+              <a:solidFill>
+                <a:prstClr val="white"/>
+              </a:solidFill>
+              <a:effectLst/>
+              <a:uLnTx/>
+              <a:uFillTx/>
+              <a:latin typeface="Calibri" panose="020F0502020204030204"/>
+              <a:ea typeface="+mn-ea"/>
+              <a:cs typeface="+mn-cs"/>
+            </a:endParaRPr>
+          </a:p>
+        </p:txBody>
+      </p:sp>
+      <p:sp>
+        <p:nvSpPr>
+          <p:cNvPr id="5" name="Rectangle: Rounded Corners 4">
+            <a:extLst>
+              <a:ext uri="{FF2B5EF4-FFF2-40B4-BE49-F238E27FC236}">
+                <a16:creationId xmlns:a16="http://schemas.microsoft.com/office/drawing/2014/main" id="{E39321EF-356D-4DB0-B4FC-236D1E721FEF}"/>
+              </a:ext>
+            </a:extLst>
+          </p:cNvPr>
+          <p:cNvSpPr/>
+          <p:nvPr/>
+        </p:nvSpPr>
+        <p:spPr>
+          <a:xfrm>
+            <a:off x="6425476" y="2641759"/>
+            <a:ext cx="5332133" cy="432257"/>
+          </a:xfrm>
+          <a:prstGeom prst="roundRect">
+            <a:avLst/>
+          </a:prstGeom>
+          <a:gradFill>
+            <a:gsLst>
+              <a:gs pos="0">
+                <a:schemeClr val="bg1">
+                  <a:lumMod val="75000"/>
+                </a:schemeClr>
+              </a:gs>
+              <a:gs pos="100000">
+                <a:schemeClr val="bg1"/>
+              </a:gs>
+            </a:gsLst>
+            <a:lin ang="5400000" scaled="1"/>
+          </a:gradFill>
+          <a:ln>
+            <a:noFill/>
+          </a:ln>
+          <a:effectLst>
+            <a:outerShdw blurRad="63500" sx="102000" sy="102000" algn="ctr" rotWithShape="0">
+              <a:prstClr val="black">
+                <a:alpha val="40000"/>
+              </a:prstClr>
+            </a:outerShdw>
+          </a:effectLst>
+        </p:spPr>
+        <p:style>
+          <a:lnRef idx="2">
+            <a:schemeClr val="accent1">
+              <a:shade val="50000"/>
+            </a:schemeClr>
+          </a:lnRef>
+          <a:fillRef idx="1">
+            <a:schemeClr val="accent1"/>
+          </a:fillRef>
+          <a:effectRef idx="0">
+            <a:schemeClr val="accent1"/>
+          </a:effectRef>
+          <a:fontRef idx="minor">
+            <a:schemeClr val="lt1"/>
+          </a:fontRef>
+        </p:style>
+        <p:txBody>
+          <a:bodyPr rtlCol="0" anchor="ctr"/>
+          <a:lstStyle/>
+          <a:p>
+            <a:pPr marL="0" marR="0" lvl="0" indent="0" algn="ctr" defTabSz="914400" rtl="0" eaLnBrk="1" fontAlgn="auto" latinLnBrk="0" hangingPunct="1">
+              <a:lnSpc>
+                <a:spcPct val="100000"/>
+              </a:lnSpc>
+              <a:spcBef>
+                <a:spcPts val="0"/>
+              </a:spcBef>
+              <a:spcAft>
+                <a:spcPts val="0"/>
+              </a:spcAft>
+              <a:buClrTx/>
+              <a:buSzTx/>
+              <a:buFontTx/>
+              <a:buNone/>
+              <a:tabLst/>
+              <a:defRPr/>
+            </a:pPr>
+            <a:r>
+              <a:rPr kumimoji="0" lang="pt-BR" sz="1800" b="0" i="0" u="none" strike="noStrike" kern="1200" cap="none" spc="0" normalizeH="0" baseline="0" noProof="0" dirty="0">
+                <a:ln>
+                  <a:noFill/>
+                </a:ln>
+                <a:solidFill>
+                  <a:prstClr val="black">
+                    <a:lumMod val="75000"/>
+                    <a:lumOff val="25000"/>
+                  </a:prstClr>
+                </a:solidFill>
+                <a:effectLst/>
+                <a:uLnTx/>
+                <a:uFillTx/>
+                <a:latin typeface="Cabin" panose="00000500000000000000" pitchFamily="2" charset="0"/>
+                <a:ea typeface="Roboto" panose="02000000000000000000" pitchFamily="2" charset="0"/>
+                <a:cs typeface="+mn-cs"/>
+              </a:rPr>
+              <a:t>Please select your theme</a:t>
+            </a:r>
+          </a:p>
+        </p:txBody>
+      </p:sp>
+      <p:sp>
+        <p:nvSpPr>
+          <p:cNvPr id="6" name="Oval 5">
+            <a:extLst>
+              <a:ext uri="{FF2B5EF4-FFF2-40B4-BE49-F238E27FC236}">
+                <a16:creationId xmlns:a16="http://schemas.microsoft.com/office/drawing/2014/main" id="{2E2687EE-7CAF-432C-8D59-54EB2F2B446C}"/>
+              </a:ext>
+            </a:extLst>
+          </p:cNvPr>
+          <p:cNvSpPr/>
+          <p:nvPr/>
+        </p:nvSpPr>
+        <p:spPr>
+          <a:xfrm>
+            <a:off x="11435593" y="2749887"/>
+            <a:ext cx="216000" cy="216000"/>
+          </a:xfrm>
+          <a:prstGeom prst="ellipse">
+            <a:avLst/>
+          </a:prstGeom>
+          <a:solidFill>
+            <a:srgbClr val="FF4343"/>
+          </a:solidFill>
+          <a:ln>
+            <a:noFill/>
+          </a:ln>
+          <a:effectLst>
+            <a:outerShdw blurRad="63500" sx="102000" sy="102000" algn="ctr" rotWithShape="0">
+              <a:prstClr val="black">
+                <a:alpha val="40000"/>
+              </a:prstClr>
+            </a:outerShdw>
+          </a:effectLst>
+        </p:spPr>
+        <p:style>
+          <a:lnRef idx="2">
+            <a:schemeClr val="accent1">
+              <a:shade val="50000"/>
+            </a:schemeClr>
+          </a:lnRef>
+          <a:fillRef idx="1">
+            <a:schemeClr val="accent1"/>
+          </a:fillRef>
+          <a:effectRef idx="0">
+            <a:schemeClr val="accent1"/>
+          </a:effectRef>
+          <a:fontRef idx="minor">
+            <a:schemeClr val="lt1"/>
+          </a:fontRef>
+        </p:style>
+        <p:txBody>
+          <a:bodyPr rtlCol="0" anchor="ctr"/>
+          <a:lstStyle/>
+          <a:p>
+            <a:pPr marL="0" marR="0" lvl="0" indent="0" algn="ctr" defTabSz="914400" rtl="0" eaLnBrk="1" fontAlgn="auto" latinLnBrk="0" hangingPunct="1">
+              <a:lnSpc>
+                <a:spcPct val="100000"/>
+              </a:lnSpc>
+              <a:spcBef>
+                <a:spcPts val="0"/>
+              </a:spcBef>
+              <a:spcAft>
+                <a:spcPts val="0"/>
+              </a:spcAft>
+              <a:buClrTx/>
+              <a:buSzTx/>
+              <a:buFontTx/>
+              <a:buNone/>
+              <a:tabLst/>
+              <a:defRPr/>
+            </a:pPr>
+            <a:endParaRPr kumimoji="0" lang="pt-BR" sz="1800" b="0" i="0" u="none" strike="noStrike" kern="1200" cap="none" spc="0" normalizeH="0" baseline="0" noProof="0">
+              <a:ln>
+                <a:noFill/>
+              </a:ln>
+              <a:solidFill>
+                <a:prstClr val="white"/>
+              </a:solidFill>
+              <a:effectLst/>
+              <a:uLnTx/>
+              <a:uFillTx/>
+              <a:latin typeface="Calibri" panose="020F0502020204030204"/>
+              <a:ea typeface="+mn-ea"/>
+              <a:cs typeface="+mn-cs"/>
+            </a:endParaRPr>
+          </a:p>
+        </p:txBody>
+      </p:sp>
+      <p:sp>
+        <p:nvSpPr>
+          <p:cNvPr id="7" name="Oval 6">
+            <a:extLst>
+              <a:ext uri="{FF2B5EF4-FFF2-40B4-BE49-F238E27FC236}">
+                <a16:creationId xmlns:a16="http://schemas.microsoft.com/office/drawing/2014/main" id="{8FED9FB8-77DC-4AF5-B0BF-6A23C5617075}"/>
+              </a:ext>
+            </a:extLst>
+          </p:cNvPr>
+          <p:cNvSpPr/>
+          <p:nvPr/>
+        </p:nvSpPr>
+        <p:spPr>
+          <a:xfrm>
+            <a:off x="11157975" y="2749887"/>
+            <a:ext cx="216000" cy="216000"/>
+          </a:xfrm>
+          <a:prstGeom prst="ellipse">
+            <a:avLst/>
+          </a:prstGeom>
+          <a:solidFill>
+            <a:srgbClr val="6666FF"/>
+          </a:solidFill>
+          <a:ln>
+            <a:noFill/>
+          </a:ln>
+          <a:effectLst>
+            <a:outerShdw blurRad="63500" sx="102000" sy="102000" algn="ctr" rotWithShape="0">
+              <a:prstClr val="black">
+                <a:alpha val="40000"/>
+              </a:prstClr>
+            </a:outerShdw>
+          </a:effectLst>
+        </p:spPr>
+        <p:style>
+          <a:lnRef idx="2">
+            <a:schemeClr val="accent1">
+              <a:shade val="50000"/>
+            </a:schemeClr>
+          </a:lnRef>
+          <a:fillRef idx="1">
+            <a:schemeClr val="accent1"/>
+          </a:fillRef>
+          <a:effectRef idx="0">
+            <a:schemeClr val="accent1"/>
+          </a:effectRef>
+          <a:fontRef idx="minor">
+            <a:schemeClr val="lt1"/>
+          </a:fontRef>
+        </p:style>
+        <p:txBody>
+          <a:bodyPr rtlCol="0" anchor="ctr"/>
+          <a:lstStyle/>
+          <a:p>
+            <a:pPr marL="0" marR="0" lvl="0" indent="0" algn="ctr" defTabSz="914400" rtl="0" eaLnBrk="1" fontAlgn="auto" latinLnBrk="0" hangingPunct="1">
+              <a:lnSpc>
+                <a:spcPct val="100000"/>
+              </a:lnSpc>
+              <a:spcBef>
+                <a:spcPts val="0"/>
+              </a:spcBef>
+              <a:spcAft>
+                <a:spcPts val="0"/>
+              </a:spcAft>
+              <a:buClrTx/>
+              <a:buSzTx/>
+              <a:buFontTx/>
+              <a:buNone/>
+              <a:tabLst/>
+              <a:defRPr/>
+            </a:pPr>
+            <a:endParaRPr kumimoji="0" lang="pt-BR" sz="1800" b="0" i="0" u="none" strike="noStrike" kern="1200" cap="none" spc="0" normalizeH="0" baseline="0" noProof="0">
+              <a:ln>
+                <a:noFill/>
+              </a:ln>
+              <a:solidFill>
+                <a:prstClr val="white"/>
+              </a:solidFill>
+              <a:effectLst/>
+              <a:uLnTx/>
+              <a:uFillTx/>
+              <a:latin typeface="Calibri" panose="020F0502020204030204"/>
+              <a:ea typeface="+mn-ea"/>
+              <a:cs typeface="+mn-cs"/>
+            </a:endParaRPr>
+          </a:p>
+        </p:txBody>
+      </p:sp>
+      <p:sp>
+        <p:nvSpPr>
+          <p:cNvPr id="8" name="Oval 7">
+            <a:extLst>
+              <a:ext uri="{FF2B5EF4-FFF2-40B4-BE49-F238E27FC236}">
+                <a16:creationId xmlns:a16="http://schemas.microsoft.com/office/drawing/2014/main" id="{2D8EFC65-4D4D-45BC-BB3D-8E84B53BEA29}"/>
+              </a:ext>
+            </a:extLst>
+          </p:cNvPr>
+          <p:cNvSpPr/>
+          <p:nvPr/>
+        </p:nvSpPr>
+        <p:spPr>
+          <a:xfrm>
+            <a:off x="10880357" y="2749887"/>
+            <a:ext cx="216000" cy="216000"/>
+          </a:xfrm>
+          <a:prstGeom prst="ellipse">
+            <a:avLst/>
+          </a:prstGeom>
+          <a:solidFill>
+            <a:schemeClr val="tx1">
+              <a:lumMod val="85000"/>
+              <a:lumOff val="15000"/>
+            </a:schemeClr>
+          </a:solidFill>
+          <a:ln>
+            <a:noFill/>
+          </a:ln>
+          <a:effectLst>
+            <a:outerShdw blurRad="63500" sx="102000" sy="102000" algn="ctr" rotWithShape="0">
+              <a:prstClr val="black">
+                <a:alpha val="40000"/>
+              </a:prstClr>
+            </a:outerShdw>
+          </a:effectLst>
+        </p:spPr>
+        <p:style>
+          <a:lnRef idx="2">
+            <a:schemeClr val="accent1">
+              <a:shade val="50000"/>
+            </a:schemeClr>
+          </a:lnRef>
+          <a:fillRef idx="1">
+            <a:schemeClr val="accent1"/>
+          </a:fillRef>
+          <a:effectRef idx="0">
+            <a:schemeClr val="accent1"/>
+          </a:effectRef>
+          <a:fontRef idx="minor">
+            <a:schemeClr val="lt1"/>
+          </a:fontRef>
+        </p:style>
+        <p:txBody>
+          <a:bodyPr rtlCol="0" anchor="ctr"/>
+          <a:lstStyle/>
+          <a:p>
+            <a:pPr marL="0" marR="0" lvl="0" indent="0" algn="ctr" defTabSz="914400" rtl="0" eaLnBrk="1" fontAlgn="auto" latinLnBrk="0" hangingPunct="1">
+              <a:lnSpc>
+                <a:spcPct val="100000"/>
+              </a:lnSpc>
+              <a:spcBef>
+                <a:spcPts val="0"/>
+              </a:spcBef>
+              <a:spcAft>
+                <a:spcPts val="0"/>
+              </a:spcAft>
+              <a:buClrTx/>
+              <a:buSzTx/>
+              <a:buFontTx/>
+              <a:buNone/>
+              <a:tabLst/>
+              <a:defRPr/>
+            </a:pPr>
+            <a:endParaRPr kumimoji="0" lang="pt-BR" sz="1800" b="0" i="0" u="none" strike="noStrike" kern="1200" cap="none" spc="0" normalizeH="0" baseline="0" noProof="0">
+              <a:ln>
+                <a:noFill/>
+              </a:ln>
+              <a:solidFill>
+                <a:prstClr val="white"/>
+              </a:solidFill>
+              <a:effectLst/>
+              <a:uLnTx/>
+              <a:uFillTx/>
+              <a:latin typeface="Calibri" panose="020F0502020204030204"/>
+              <a:ea typeface="+mn-ea"/>
+              <a:cs typeface="+mn-cs"/>
+            </a:endParaRPr>
+          </a:p>
+        </p:txBody>
+      </p:sp>
+      <p:sp>
+        <p:nvSpPr>
+          <p:cNvPr id="9" name="Oval 8">
+            <a:extLst>
+              <a:ext uri="{FF2B5EF4-FFF2-40B4-BE49-F238E27FC236}">
+                <a16:creationId xmlns:a16="http://schemas.microsoft.com/office/drawing/2014/main" id="{70490C61-7993-452B-A37C-63F0A108944C}"/>
+              </a:ext>
+            </a:extLst>
+          </p:cNvPr>
+          <p:cNvSpPr/>
+          <p:nvPr/>
+        </p:nvSpPr>
+        <p:spPr>
+          <a:xfrm>
+            <a:off x="10602739" y="2749887"/>
+            <a:ext cx="216000" cy="216000"/>
+          </a:xfrm>
+          <a:prstGeom prst="ellipse">
+            <a:avLst/>
+          </a:prstGeom>
+          <a:solidFill>
+            <a:srgbClr val="FFC000"/>
+          </a:solidFill>
+          <a:ln>
+            <a:noFill/>
+          </a:ln>
+          <a:effectLst>
+            <a:outerShdw blurRad="63500" sx="102000" sy="102000" algn="ctr" rotWithShape="0">
+              <a:prstClr val="black">
+                <a:alpha val="40000"/>
+              </a:prstClr>
+            </a:outerShdw>
+          </a:effectLst>
+        </p:spPr>
+        <p:style>
+          <a:lnRef idx="2">
+            <a:schemeClr val="accent1">
+              <a:shade val="50000"/>
+            </a:schemeClr>
+          </a:lnRef>
+          <a:fillRef idx="1">
+            <a:schemeClr val="accent1"/>
+          </a:fillRef>
+          <a:effectRef idx="0">
+            <a:schemeClr val="accent1"/>
+          </a:effectRef>
+          <a:fontRef idx="minor">
+            <a:schemeClr val="lt1"/>
+          </a:fontRef>
+        </p:style>
+        <p:txBody>
+          <a:bodyPr rtlCol="0" anchor="ctr"/>
+          <a:lstStyle/>
+          <a:p>
+            <a:pPr marL="0" marR="0" lvl="0" indent="0" algn="ctr" defTabSz="914400" rtl="0" eaLnBrk="1" fontAlgn="auto" latinLnBrk="0" hangingPunct="1">
+              <a:lnSpc>
+                <a:spcPct val="100000"/>
+              </a:lnSpc>
+              <a:spcBef>
+                <a:spcPts val="0"/>
+              </a:spcBef>
+              <a:spcAft>
+                <a:spcPts val="0"/>
+              </a:spcAft>
+              <a:buClrTx/>
+              <a:buSzTx/>
+              <a:buFontTx/>
+              <a:buNone/>
+              <a:tabLst/>
+              <a:defRPr/>
+            </a:pPr>
+            <a:endParaRPr kumimoji="0" lang="pt-BR" sz="1800" b="0" i="0" u="none" strike="noStrike" kern="1200" cap="none" spc="0" normalizeH="0" baseline="0" noProof="0">
+              <a:ln>
+                <a:noFill/>
+              </a:ln>
+              <a:solidFill>
+                <a:prstClr val="white"/>
+              </a:solidFill>
+              <a:effectLst/>
+              <a:uLnTx/>
+              <a:uFillTx/>
+              <a:latin typeface="Calibri" panose="020F0502020204030204"/>
+              <a:ea typeface="+mn-ea"/>
+              <a:cs typeface="+mn-cs"/>
+            </a:endParaRPr>
+          </a:p>
+        </p:txBody>
+      </p:sp>
+      <p:sp>
+        <p:nvSpPr>
+          <p:cNvPr id="10" name="Oval 9">
+            <a:extLst>
+              <a:ext uri="{FF2B5EF4-FFF2-40B4-BE49-F238E27FC236}">
+                <a16:creationId xmlns:a16="http://schemas.microsoft.com/office/drawing/2014/main" id="{A8903370-45FD-4B01-A0D9-880759726E06}"/>
+              </a:ext>
+            </a:extLst>
+          </p:cNvPr>
+          <p:cNvSpPr/>
+          <p:nvPr/>
+        </p:nvSpPr>
+        <p:spPr>
+          <a:xfrm>
+            <a:off x="6489920" y="2749383"/>
+            <a:ext cx="216000" cy="216000"/>
+          </a:xfrm>
+          <a:prstGeom prst="ellipse">
+            <a:avLst/>
+          </a:prstGeom>
+          <a:gradFill flip="none" rotWithShape="1">
+            <a:gsLst>
+              <a:gs pos="29000">
+                <a:srgbClr val="7030A0"/>
+              </a:gs>
+              <a:gs pos="46000">
+                <a:srgbClr val="0070C0"/>
+              </a:gs>
+              <a:gs pos="0">
+                <a:srgbClr val="00B0F0"/>
+              </a:gs>
+              <a:gs pos="100000">
+                <a:srgbClr val="6600FF"/>
+              </a:gs>
+            </a:gsLst>
+            <a:path path="circle">
+              <a:fillToRect l="50000" t="130000" r="50000" b="-30000"/>
+            </a:path>
+            <a:tileRect/>
+          </a:gradFill>
+          <a:ln>
+            <a:noFill/>
+          </a:ln>
+          <a:effectLst>
+            <a:outerShdw blurRad="63500" sx="102000" sy="102000" algn="ctr" rotWithShape="0">
+              <a:prstClr val="black">
+                <a:alpha val="40000"/>
+              </a:prstClr>
+            </a:outerShdw>
+          </a:effectLst>
+        </p:spPr>
+        <p:style>
+          <a:lnRef idx="2">
+            <a:schemeClr val="accent1">
+              <a:shade val="50000"/>
+            </a:schemeClr>
+          </a:lnRef>
+          <a:fillRef idx="1">
+            <a:schemeClr val="accent1"/>
+          </a:fillRef>
+          <a:effectRef idx="0">
+            <a:schemeClr val="accent1"/>
+          </a:effectRef>
+          <a:fontRef idx="minor">
+            <a:schemeClr val="lt1"/>
+          </a:fontRef>
+        </p:style>
+        <p:txBody>
+          <a:bodyPr rtlCol="0" anchor="ctr"/>
+          <a:lstStyle/>
+          <a:p>
+            <a:pPr marL="0" marR="0" lvl="0" indent="0" algn="ctr" defTabSz="914400" rtl="0" eaLnBrk="1" fontAlgn="auto" latinLnBrk="0" hangingPunct="1">
+              <a:lnSpc>
+                <a:spcPct val="100000"/>
+              </a:lnSpc>
+              <a:spcBef>
+                <a:spcPts val="0"/>
+              </a:spcBef>
+              <a:spcAft>
+                <a:spcPts val="0"/>
+              </a:spcAft>
+              <a:buClrTx/>
+              <a:buSzTx/>
+              <a:buFontTx/>
+              <a:buNone/>
+              <a:tabLst/>
+              <a:defRPr/>
+            </a:pPr>
+            <a:endParaRPr kumimoji="0" lang="pt-BR" sz="1800" b="0" i="0" u="none" strike="noStrike" kern="1200" cap="none" spc="0" normalizeH="0" baseline="0" noProof="0">
+              <a:ln>
+                <a:noFill/>
+              </a:ln>
+              <a:solidFill>
+                <a:prstClr val="white"/>
+              </a:solidFill>
+              <a:effectLst/>
+              <a:uLnTx/>
+              <a:uFillTx/>
+              <a:latin typeface="Calibri" panose="020F0502020204030204"/>
+              <a:ea typeface="+mn-ea"/>
+              <a:cs typeface="+mn-cs"/>
+            </a:endParaRPr>
+          </a:p>
+        </p:txBody>
+      </p:sp>
+      <p:sp>
+        <p:nvSpPr>
+          <p:cNvPr id="11" name="Rectangle: Rounded Corners 10">
+            <a:extLst>
+              <a:ext uri="{FF2B5EF4-FFF2-40B4-BE49-F238E27FC236}">
+                <a16:creationId xmlns:a16="http://schemas.microsoft.com/office/drawing/2014/main" id="{B36639CD-2E24-4E25-AF3C-16CBF120F40E}"/>
+              </a:ext>
+            </a:extLst>
+          </p:cNvPr>
+          <p:cNvSpPr/>
+          <p:nvPr/>
+        </p:nvSpPr>
+        <p:spPr>
+          <a:xfrm>
+            <a:off x="6745452" y="3294239"/>
+            <a:ext cx="1961226" cy="2496961"/>
+          </a:xfrm>
+          <a:prstGeom prst="roundRect">
+            <a:avLst/>
+          </a:prstGeom>
+          <a:gradFill>
+            <a:gsLst>
+              <a:gs pos="0">
+                <a:schemeClr val="bg1">
+                  <a:lumMod val="75000"/>
+                </a:schemeClr>
+              </a:gs>
+              <a:gs pos="100000">
+                <a:schemeClr val="bg1"/>
+              </a:gs>
+            </a:gsLst>
+            <a:lin ang="5400000" scaled="1"/>
+          </a:gradFill>
+          <a:ln>
+            <a:noFill/>
+          </a:ln>
+          <a:effectLst>
+            <a:outerShdw blurRad="63500" sx="102000" sy="102000" algn="ctr" rotWithShape="0">
+              <a:prstClr val="black">
+                <a:alpha val="40000"/>
+              </a:prstClr>
+            </a:outerShdw>
+          </a:effectLst>
+        </p:spPr>
+        <p:style>
+          <a:lnRef idx="2">
+            <a:schemeClr val="accent1">
+              <a:shade val="50000"/>
+            </a:schemeClr>
+          </a:lnRef>
+          <a:fillRef idx="1">
+            <a:schemeClr val="accent1"/>
+          </a:fillRef>
+          <a:effectRef idx="0">
+            <a:schemeClr val="accent1"/>
+          </a:effectRef>
+          <a:fontRef idx="minor">
+            <a:schemeClr val="lt1"/>
+          </a:fontRef>
+        </p:style>
+        <p:txBody>
+          <a:bodyPr rtlCol="0" anchor="ctr"/>
+          <a:lstStyle/>
+          <a:p>
+            <a:pPr marL="0" marR="0" lvl="0" indent="0" algn="ctr" defTabSz="914400" rtl="0" eaLnBrk="1" fontAlgn="auto" latinLnBrk="0" hangingPunct="1">
+              <a:lnSpc>
+                <a:spcPct val="100000"/>
+              </a:lnSpc>
+              <a:spcBef>
+                <a:spcPts val="0"/>
+              </a:spcBef>
+              <a:spcAft>
+                <a:spcPts val="0"/>
+              </a:spcAft>
+              <a:buClrTx/>
+              <a:buSzTx/>
+              <a:buFontTx/>
+              <a:buNone/>
+              <a:tabLst/>
+              <a:defRPr/>
+            </a:pPr>
+            <a:endParaRPr kumimoji="0" lang="pt-BR" sz="1800" b="0" i="0" u="none" strike="noStrike" kern="1200" cap="none" spc="0" normalizeH="0" baseline="0" noProof="0" dirty="0">
+              <a:ln>
+                <a:noFill/>
+              </a:ln>
+              <a:solidFill>
+                <a:prstClr val="black">
+                  <a:lumMod val="75000"/>
+                  <a:lumOff val="25000"/>
+                </a:prstClr>
+              </a:solidFill>
+              <a:effectLst/>
+              <a:uLnTx/>
+              <a:uFillTx/>
+              <a:latin typeface="Cabin" panose="00000500000000000000" pitchFamily="2" charset="0"/>
+              <a:ea typeface="Roboto" panose="02000000000000000000" pitchFamily="2" charset="0"/>
+              <a:cs typeface="+mn-cs"/>
+            </a:endParaRPr>
+          </a:p>
+        </p:txBody>
+      </p:sp>
+      <p:sp>
+        <p:nvSpPr>
+          <p:cNvPr id="13" name="Rectangle 12">
+            <a:extLst>
+              <a:ext uri="{FF2B5EF4-FFF2-40B4-BE49-F238E27FC236}">
+                <a16:creationId xmlns:a16="http://schemas.microsoft.com/office/drawing/2014/main" id="{167AD246-CF3B-4479-8B6F-C3D58F814072}"/>
+              </a:ext>
+            </a:extLst>
+          </p:cNvPr>
+          <p:cNvSpPr/>
+          <p:nvPr/>
+        </p:nvSpPr>
+        <p:spPr>
+          <a:xfrm>
+            <a:off x="6741803" y="5421868"/>
+            <a:ext cx="1961226" cy="369332"/>
+          </a:xfrm>
+          <a:prstGeom prst="rect">
+            <a:avLst/>
+          </a:prstGeom>
+        </p:spPr>
+        <p:txBody>
+          <a:bodyPr wrap="square">
+            <a:spAutoFit/>
+          </a:bodyPr>
+          <a:lstStyle/>
+          <a:p>
+            <a:pPr marL="0" marR="0" lvl="0" indent="0" algn="ctr" defTabSz="914400" rtl="0" eaLnBrk="1" fontAlgn="auto" latinLnBrk="0" hangingPunct="1">
+              <a:lnSpc>
+                <a:spcPct val="100000"/>
+              </a:lnSpc>
+              <a:spcBef>
+                <a:spcPts val="0"/>
+              </a:spcBef>
+              <a:spcAft>
+                <a:spcPts val="0"/>
+              </a:spcAft>
+              <a:buClrTx/>
+              <a:buSzTx/>
+              <a:buFontTx/>
+              <a:buNone/>
+              <a:tabLst/>
+              <a:defRPr/>
+            </a:pPr>
+            <a:r>
+              <a:rPr kumimoji="0" lang="pt-BR" sz="1800" b="0" i="0" u="none" strike="noStrike" kern="1200" cap="none" spc="0" normalizeH="0" baseline="0" noProof="0" dirty="0">
+                <a:ln>
+                  <a:noFill/>
+                </a:ln>
+                <a:solidFill>
+                  <a:prstClr val="black">
+                    <a:lumMod val="75000"/>
+                    <a:lumOff val="25000"/>
+                  </a:prstClr>
+                </a:solidFill>
+                <a:effectLst/>
+                <a:uLnTx/>
+                <a:uFillTx/>
+                <a:latin typeface="Cabin" panose="00000500000000000000" pitchFamily="2" charset="0"/>
+                <a:ea typeface="Roboto" panose="02000000000000000000" pitchFamily="2" charset="0"/>
+                <a:cs typeface="+mn-cs"/>
+              </a:rPr>
+              <a:t>Delicate</a:t>
+            </a:r>
+          </a:p>
+        </p:txBody>
+      </p:sp>
+      <p:sp>
+        <p:nvSpPr>
+          <p:cNvPr id="15" name="Rectangle: Rounded Corners 14">
+            <a:extLst>
+              <a:ext uri="{FF2B5EF4-FFF2-40B4-BE49-F238E27FC236}">
+                <a16:creationId xmlns:a16="http://schemas.microsoft.com/office/drawing/2014/main" id="{AF09B845-13DF-49D1-994E-DCCCEDA9A2B6}"/>
+              </a:ext>
+            </a:extLst>
+          </p:cNvPr>
+          <p:cNvSpPr/>
+          <p:nvPr/>
+        </p:nvSpPr>
+        <p:spPr>
+          <a:xfrm>
+            <a:off x="9412749" y="3294239"/>
+            <a:ext cx="1961226" cy="2496961"/>
+          </a:xfrm>
+          <a:prstGeom prst="roundRect">
+            <a:avLst/>
+          </a:prstGeom>
+          <a:gradFill>
+            <a:gsLst>
+              <a:gs pos="0">
+                <a:schemeClr val="bg1">
+                  <a:lumMod val="75000"/>
+                </a:schemeClr>
+              </a:gs>
+              <a:gs pos="100000">
+                <a:schemeClr val="bg1"/>
+              </a:gs>
+            </a:gsLst>
+            <a:lin ang="5400000" scaled="1"/>
+          </a:gradFill>
+          <a:ln>
+            <a:noFill/>
+          </a:ln>
+          <a:effectLst>
+            <a:outerShdw blurRad="63500" sx="102000" sy="102000" algn="ctr" rotWithShape="0">
+              <a:prstClr val="black">
+                <a:alpha val="40000"/>
+              </a:prstClr>
+            </a:outerShdw>
+          </a:effectLst>
+        </p:spPr>
+        <p:style>
+          <a:lnRef idx="2">
+            <a:schemeClr val="accent1">
+              <a:shade val="50000"/>
+            </a:schemeClr>
+          </a:lnRef>
+          <a:fillRef idx="1">
+            <a:schemeClr val="accent1"/>
+          </a:fillRef>
+          <a:effectRef idx="0">
+            <a:schemeClr val="accent1"/>
+          </a:effectRef>
+          <a:fontRef idx="minor">
+            <a:schemeClr val="lt1"/>
+          </a:fontRef>
+        </p:style>
+        <p:txBody>
+          <a:bodyPr rtlCol="0" anchor="ctr"/>
+          <a:lstStyle/>
+          <a:p>
+            <a:pPr marL="0" marR="0" lvl="0" indent="0" algn="ctr" defTabSz="914400" rtl="0" eaLnBrk="1" fontAlgn="auto" latinLnBrk="0" hangingPunct="1">
+              <a:lnSpc>
+                <a:spcPct val="100000"/>
+              </a:lnSpc>
+              <a:spcBef>
+                <a:spcPts val="0"/>
+              </a:spcBef>
+              <a:spcAft>
+                <a:spcPts val="0"/>
+              </a:spcAft>
+              <a:buClrTx/>
+              <a:buSzTx/>
+              <a:buFontTx/>
+              <a:buNone/>
+              <a:tabLst/>
+              <a:defRPr/>
+            </a:pPr>
+            <a:endParaRPr kumimoji="0" lang="pt-BR" sz="1800" b="0" i="0" u="none" strike="noStrike" kern="1200" cap="none" spc="0" normalizeH="0" baseline="0" noProof="0" dirty="0">
+              <a:ln>
+                <a:noFill/>
+              </a:ln>
+              <a:solidFill>
+                <a:prstClr val="black">
+                  <a:lumMod val="75000"/>
+                  <a:lumOff val="25000"/>
+                </a:prstClr>
+              </a:solidFill>
+              <a:effectLst/>
+              <a:uLnTx/>
+              <a:uFillTx/>
+              <a:latin typeface="Cabin" panose="00000500000000000000" pitchFamily="2" charset="0"/>
+              <a:ea typeface="Roboto" panose="02000000000000000000" pitchFamily="2" charset="0"/>
+              <a:cs typeface="+mn-cs"/>
+            </a:endParaRPr>
+          </a:p>
+        </p:txBody>
+      </p:sp>
+      <p:sp>
+        <p:nvSpPr>
+          <p:cNvPr id="14" name="Rectangle 13">
+            <a:extLst>
+              <a:ext uri="{FF2B5EF4-FFF2-40B4-BE49-F238E27FC236}">
+                <a16:creationId xmlns:a16="http://schemas.microsoft.com/office/drawing/2014/main" id="{EC2C1A37-734D-4FD0-B106-82CD014DCFE3}"/>
+              </a:ext>
+            </a:extLst>
+          </p:cNvPr>
+          <p:cNvSpPr/>
+          <p:nvPr/>
+        </p:nvSpPr>
+        <p:spPr>
+          <a:xfrm>
+            <a:off x="9414503" y="5422289"/>
+            <a:ext cx="1959472" cy="369332"/>
+          </a:xfrm>
+          <a:prstGeom prst="rect">
+            <a:avLst/>
+          </a:prstGeom>
+        </p:spPr>
+        <p:txBody>
+          <a:bodyPr wrap="square">
+            <a:spAutoFit/>
+          </a:bodyPr>
+          <a:lstStyle/>
+          <a:p>
+            <a:pPr marL="0" marR="0" lvl="0" indent="0" algn="ctr" defTabSz="914400" rtl="0" eaLnBrk="1" fontAlgn="auto" latinLnBrk="0" hangingPunct="1">
+              <a:lnSpc>
+                <a:spcPct val="100000"/>
+              </a:lnSpc>
+              <a:spcBef>
+                <a:spcPts val="0"/>
+              </a:spcBef>
+              <a:spcAft>
+                <a:spcPts val="0"/>
+              </a:spcAft>
+              <a:buClrTx/>
+              <a:buSzTx/>
+              <a:buFontTx/>
+              <a:buNone/>
+              <a:tabLst/>
+              <a:defRPr/>
+            </a:pPr>
+            <a:r>
+              <a:rPr kumimoji="0" lang="pt-BR" sz="1800" b="0" i="0" u="none" strike="noStrike" kern="1200" cap="none" spc="0" normalizeH="0" baseline="0" noProof="0" dirty="0">
+                <a:ln>
+                  <a:noFill/>
+                </a:ln>
+                <a:solidFill>
+                  <a:prstClr val="black">
+                    <a:lumMod val="75000"/>
+                    <a:lumOff val="25000"/>
+                  </a:prstClr>
+                </a:solidFill>
+                <a:effectLst/>
+                <a:uLnTx/>
+                <a:uFillTx/>
+                <a:latin typeface="Cabin" panose="00000500000000000000" pitchFamily="2" charset="0"/>
+                <a:ea typeface="Roboto" panose="02000000000000000000" pitchFamily="2" charset="0"/>
+                <a:cs typeface="+mn-cs"/>
+              </a:rPr>
+              <a:t>Common Design</a:t>
+            </a:r>
+          </a:p>
+        </p:txBody>
+      </p:sp>
+      <p:pic>
+        <p:nvPicPr>
+          <p:cNvPr id="17" name="Picture 16">
+            <a:extLst>
+              <a:ext uri="{FF2B5EF4-FFF2-40B4-BE49-F238E27FC236}">
+                <a16:creationId xmlns:a16="http://schemas.microsoft.com/office/drawing/2014/main" id="{578FFAC3-A192-4C6C-A152-E8F88F4A5FEC}"/>
+              </a:ext>
+            </a:extLst>
+          </p:cNvPr>
+          <p:cNvPicPr>
+            <a:picLocks noChangeAspect="1"/>
+          </p:cNvPicPr>
+          <p:nvPr/>
+        </p:nvPicPr>
+        <p:blipFill>
+          <a:blip r:embed="rId2"/>
+          <a:stretch>
+            <a:fillRect/>
+          </a:stretch>
+        </p:blipFill>
+        <p:spPr>
+          <a:xfrm>
+            <a:off x="6746700" y="3750927"/>
+            <a:ext cx="1956329" cy="1582326"/>
+          </a:xfrm>
+          <a:prstGeom prst="rect">
+            <a:avLst/>
+          </a:prstGeom>
+        </p:spPr>
+      </p:pic>
+    </p:spTree>
+    <p:extLst>
+      <p:ext uri="{BB962C8B-B14F-4D97-AF65-F5344CB8AC3E}">
+        <p14:creationId xmlns:p14="http://schemas.microsoft.com/office/powerpoint/2010/main" val="790550917"/>
+      </p:ext>
+    </p:extLst>
+  </p:cSld>
+  <p:clrMapOvr>
+    <a:masterClrMapping/>
+  </p:clrMapOvr>
+</p:sld>
+</file>
+
 <file path=ppt/theme/theme1.xml><?xml version="1.0" encoding="utf-8"?>
 <a:theme xmlns:a="http://schemas.openxmlformats.org/drawingml/2006/main" name="Office Theme">
   <a:themeElements>

--- a/Presentation.pptx
+++ b/Presentation.pptx
@@ -6,8 +6,6 @@
   </p:sldMasterIdLst>
   <p:sldIdLst>
     <p:sldId id="256" r:id="rId2"/>
-    <p:sldId id="257" r:id="rId3"/>
-    <p:sldId id="258" r:id="rId4"/>
   </p:sldIdLst>
   <p:sldSz cx="12192000" cy="6858000"/>
   <p:notesSz cx="6858000" cy="9144000"/>
@@ -263,7 +261,7 @@
           <a:p>
             <a:fld id="{3B203DF2-9860-47BD-81AC-30B282A89220}" type="datetimeFigureOut">
               <a:rPr lang="pt-BR" smtClean="0"/>
-              <a:t>11/09/2019</a:t>
+              <a:t>13/09/2019</a:t>
             </a:fld>
             <a:endParaRPr lang="pt-BR"/>
           </a:p>
@@ -463,7 +461,7 @@
           <a:p>
             <a:fld id="{3B203DF2-9860-47BD-81AC-30B282A89220}" type="datetimeFigureOut">
               <a:rPr lang="pt-BR" smtClean="0"/>
-              <a:t>11/09/2019</a:t>
+              <a:t>13/09/2019</a:t>
             </a:fld>
             <a:endParaRPr lang="pt-BR"/>
           </a:p>
@@ -673,7 +671,7 @@
           <a:p>
             <a:fld id="{3B203DF2-9860-47BD-81AC-30B282A89220}" type="datetimeFigureOut">
               <a:rPr lang="pt-BR" smtClean="0"/>
-              <a:t>11/09/2019</a:t>
+              <a:t>13/09/2019</a:t>
             </a:fld>
             <a:endParaRPr lang="pt-BR"/>
           </a:p>
@@ -873,7 +871,7 @@
           <a:p>
             <a:fld id="{3B203DF2-9860-47BD-81AC-30B282A89220}" type="datetimeFigureOut">
               <a:rPr lang="pt-BR" smtClean="0"/>
-              <a:t>11/09/2019</a:t>
+              <a:t>13/09/2019</a:t>
             </a:fld>
             <a:endParaRPr lang="pt-BR"/>
           </a:p>
@@ -1149,7 +1147,7 @@
           <a:p>
             <a:fld id="{3B203DF2-9860-47BD-81AC-30B282A89220}" type="datetimeFigureOut">
               <a:rPr lang="pt-BR" smtClean="0"/>
-              <a:t>11/09/2019</a:t>
+              <a:t>13/09/2019</a:t>
             </a:fld>
             <a:endParaRPr lang="pt-BR"/>
           </a:p>
@@ -1417,7 +1415,7 @@
           <a:p>
             <a:fld id="{3B203DF2-9860-47BD-81AC-30B282A89220}" type="datetimeFigureOut">
               <a:rPr lang="pt-BR" smtClean="0"/>
-              <a:t>11/09/2019</a:t>
+              <a:t>13/09/2019</a:t>
             </a:fld>
             <a:endParaRPr lang="pt-BR"/>
           </a:p>
@@ -1832,7 +1830,7 @@
           <a:p>
             <a:fld id="{3B203DF2-9860-47BD-81AC-30B282A89220}" type="datetimeFigureOut">
               <a:rPr lang="pt-BR" smtClean="0"/>
-              <a:t>11/09/2019</a:t>
+              <a:t>13/09/2019</a:t>
             </a:fld>
             <a:endParaRPr lang="pt-BR"/>
           </a:p>
@@ -1974,7 +1972,7 @@
           <a:p>
             <a:fld id="{3B203DF2-9860-47BD-81AC-30B282A89220}" type="datetimeFigureOut">
               <a:rPr lang="pt-BR" smtClean="0"/>
-              <a:t>11/09/2019</a:t>
+              <a:t>13/09/2019</a:t>
             </a:fld>
             <a:endParaRPr lang="pt-BR"/>
           </a:p>
@@ -2087,7 +2085,7 @@
           <a:p>
             <a:fld id="{3B203DF2-9860-47BD-81AC-30B282A89220}" type="datetimeFigureOut">
               <a:rPr lang="pt-BR" smtClean="0"/>
-              <a:t>11/09/2019</a:t>
+              <a:t>13/09/2019</a:t>
             </a:fld>
             <a:endParaRPr lang="pt-BR"/>
           </a:p>
@@ -2400,7 +2398,7 @@
           <a:p>
             <a:fld id="{3B203DF2-9860-47BD-81AC-30B282A89220}" type="datetimeFigureOut">
               <a:rPr lang="pt-BR" smtClean="0"/>
-              <a:t>11/09/2019</a:t>
+              <a:t>13/09/2019</a:t>
             </a:fld>
             <a:endParaRPr lang="pt-BR"/>
           </a:p>
@@ -2689,7 +2687,7 @@
           <a:p>
             <a:fld id="{3B203DF2-9860-47BD-81AC-30B282A89220}" type="datetimeFigureOut">
               <a:rPr lang="pt-BR" smtClean="0"/>
-              <a:t>11/09/2019</a:t>
+              <a:t>13/09/2019</a:t>
             </a:fld>
             <a:endParaRPr lang="pt-BR"/>
           </a:p>
@@ -2932,7 +2930,7 @@
           <a:p>
             <a:fld id="{3B203DF2-9860-47BD-81AC-30B282A89220}" type="datetimeFigureOut">
               <a:rPr lang="pt-BR" smtClean="0"/>
-              <a:t>11/09/2019</a:t>
+              <a:t>13/09/2019</a:t>
             </a:fld>
             <a:endParaRPr lang="pt-BR"/>
           </a:p>
@@ -4113,2415 +4111,6 @@
 </p:sld>
 </file>
 
-<file path=ppt/slides/slide2.xml><?xml version="1.0" encoding="utf-8"?>
-<p:sld xmlns:a="http://schemas.openxmlformats.org/drawingml/2006/main" xmlns:r="http://schemas.openxmlformats.org/officeDocument/2006/relationships" xmlns:p="http://schemas.openxmlformats.org/presentationml/2006/main">
-  <p:cSld>
-    <p:spTree>
-      <p:nvGrpSpPr>
-        <p:cNvPr id="1" name=""/>
-        <p:cNvGrpSpPr/>
-        <p:nvPr/>
-      </p:nvGrpSpPr>
-      <p:grpSpPr>
-        <a:xfrm>
-          <a:off x="0" y="0"/>
-          <a:ext cx="0" cy="0"/>
-          <a:chOff x="0" y="0"/>
-          <a:chExt cx="0" cy="0"/>
-        </a:xfrm>
-      </p:grpSpPr>
-      <p:sp>
-        <p:nvSpPr>
-          <p:cNvPr id="4" name="Rectangle 3">
-            <a:extLst>
-              <a:ext uri="{FF2B5EF4-FFF2-40B4-BE49-F238E27FC236}">
-                <a16:creationId xmlns:a16="http://schemas.microsoft.com/office/drawing/2014/main" id="{F5F5CE97-5604-443E-9FB8-60C5C5DEBE53}"/>
-              </a:ext>
-            </a:extLst>
-          </p:cNvPr>
-          <p:cNvSpPr/>
-          <p:nvPr/>
-        </p:nvSpPr>
-        <p:spPr>
-          <a:xfrm>
-            <a:off x="185531" y="165652"/>
-            <a:ext cx="11781182" cy="6513444"/>
-          </a:xfrm>
-          <a:prstGeom prst="rect">
-            <a:avLst/>
-          </a:prstGeom>
-          <a:solidFill>
-            <a:srgbClr val="F67EE8"/>
-          </a:solidFill>
-          <a:ln>
-            <a:solidFill>
-              <a:schemeClr val="tx1">
-                <a:lumMod val="85000"/>
-                <a:lumOff val="15000"/>
-              </a:schemeClr>
-            </a:solidFill>
-            <a:prstDash val="dash"/>
-          </a:ln>
-        </p:spPr>
-        <p:style>
-          <a:lnRef idx="2">
-            <a:schemeClr val="accent1">
-              <a:shade val="50000"/>
-            </a:schemeClr>
-          </a:lnRef>
-          <a:fillRef idx="1">
-            <a:schemeClr val="accent1"/>
-          </a:fillRef>
-          <a:effectRef idx="0">
-            <a:schemeClr val="accent1"/>
-          </a:effectRef>
-          <a:fontRef idx="minor">
-            <a:schemeClr val="lt1"/>
-          </a:fontRef>
-        </p:style>
-        <p:txBody>
-          <a:bodyPr rtlCol="0" anchor="ctr"/>
-          <a:lstStyle/>
-          <a:p>
-            <a:pPr marL="0" marR="0" lvl="0" indent="0" algn="ctr" defTabSz="914400" rtl="0" eaLnBrk="1" fontAlgn="auto" latinLnBrk="0" hangingPunct="1">
-              <a:lnSpc>
-                <a:spcPct val="100000"/>
-              </a:lnSpc>
-              <a:spcBef>
-                <a:spcPts val="0"/>
-              </a:spcBef>
-              <a:spcAft>
-                <a:spcPts val="0"/>
-              </a:spcAft>
-              <a:buClrTx/>
-              <a:buSzTx/>
-              <a:buFontTx/>
-              <a:buNone/>
-              <a:tabLst/>
-              <a:defRPr/>
-            </a:pPr>
-            <a:endParaRPr kumimoji="0" lang="pt-BR" sz="1800" b="0" i="0" u="none" strike="noStrike" kern="1200" cap="none" spc="0" normalizeH="0" baseline="0" noProof="0">
-              <a:ln>
-                <a:noFill/>
-              </a:ln>
-              <a:solidFill>
-                <a:prstClr val="white"/>
-              </a:solidFill>
-              <a:effectLst/>
-              <a:uLnTx/>
-              <a:uFillTx/>
-              <a:latin typeface="Calibri" panose="020F0502020204030204"/>
-              <a:ea typeface="+mn-ea"/>
-              <a:cs typeface="+mn-cs"/>
-            </a:endParaRPr>
-          </a:p>
-        </p:txBody>
-      </p:sp>
-      <p:sp>
-        <p:nvSpPr>
-          <p:cNvPr id="5" name="Rectangle 4">
-            <a:extLst>
-              <a:ext uri="{FF2B5EF4-FFF2-40B4-BE49-F238E27FC236}">
-                <a16:creationId xmlns:a16="http://schemas.microsoft.com/office/drawing/2014/main" id="{59D2877B-1458-4837-9B8A-63A508D235F1}"/>
-              </a:ext>
-            </a:extLst>
-          </p:cNvPr>
-          <p:cNvSpPr/>
-          <p:nvPr/>
-        </p:nvSpPr>
-        <p:spPr>
-          <a:xfrm>
-            <a:off x="185531" y="1232452"/>
-            <a:ext cx="11779200" cy="5446644"/>
-          </a:xfrm>
-          <a:prstGeom prst="rect">
-            <a:avLst/>
-          </a:prstGeom>
-          <a:solidFill>
-            <a:schemeClr val="bg1"/>
-          </a:solidFill>
-          <a:ln>
-            <a:solidFill>
-              <a:schemeClr val="tx1">
-                <a:lumMod val="85000"/>
-                <a:lumOff val="15000"/>
-              </a:schemeClr>
-            </a:solidFill>
-            <a:prstDash val="dash"/>
-          </a:ln>
-        </p:spPr>
-        <p:style>
-          <a:lnRef idx="2">
-            <a:schemeClr val="accent1">
-              <a:shade val="50000"/>
-            </a:schemeClr>
-          </a:lnRef>
-          <a:fillRef idx="1">
-            <a:schemeClr val="accent1"/>
-          </a:fillRef>
-          <a:effectRef idx="0">
-            <a:schemeClr val="accent1"/>
-          </a:effectRef>
-          <a:fontRef idx="minor">
-            <a:schemeClr val="lt1"/>
-          </a:fontRef>
-        </p:style>
-        <p:txBody>
-          <a:bodyPr rtlCol="0" anchor="ctr"/>
-          <a:lstStyle/>
-          <a:p>
-            <a:pPr marL="0" marR="0" lvl="0" indent="0" algn="ctr" defTabSz="914400" rtl="0" eaLnBrk="1" fontAlgn="auto" latinLnBrk="0" hangingPunct="1">
-              <a:lnSpc>
-                <a:spcPct val="100000"/>
-              </a:lnSpc>
-              <a:spcBef>
-                <a:spcPts val="0"/>
-              </a:spcBef>
-              <a:spcAft>
-                <a:spcPts val="0"/>
-              </a:spcAft>
-              <a:buClrTx/>
-              <a:buSzTx/>
-              <a:buFontTx/>
-              <a:buNone/>
-              <a:tabLst/>
-              <a:defRPr/>
-            </a:pPr>
-            <a:endParaRPr kumimoji="0" lang="pt-BR" sz="1800" b="0" i="0" u="none" strike="noStrike" kern="1200" cap="none" spc="0" normalizeH="0" baseline="0" noProof="0">
-              <a:ln>
-                <a:noFill/>
-              </a:ln>
-              <a:solidFill>
-                <a:prstClr val="white"/>
-              </a:solidFill>
-              <a:effectLst/>
-              <a:uLnTx/>
-              <a:uFillTx/>
-              <a:latin typeface="Calibri" panose="020F0502020204030204"/>
-              <a:ea typeface="+mn-ea"/>
-              <a:cs typeface="+mn-cs"/>
-            </a:endParaRPr>
-          </a:p>
-        </p:txBody>
-      </p:sp>
-      <p:sp>
-        <p:nvSpPr>
-          <p:cNvPr id="7" name="Rectangle 6">
-            <a:extLst>
-              <a:ext uri="{FF2B5EF4-FFF2-40B4-BE49-F238E27FC236}">
-                <a16:creationId xmlns:a16="http://schemas.microsoft.com/office/drawing/2014/main" id="{E357E74A-840D-451B-A53A-7113DFBEB826}"/>
-              </a:ext>
-            </a:extLst>
-          </p:cNvPr>
-          <p:cNvSpPr/>
-          <p:nvPr/>
-        </p:nvSpPr>
-        <p:spPr>
-          <a:xfrm>
-            <a:off x="185531" y="152401"/>
-            <a:ext cx="11779200" cy="486000"/>
-          </a:xfrm>
-          <a:prstGeom prst="rect">
-            <a:avLst/>
-          </a:prstGeom>
-          <a:solidFill>
-            <a:srgbClr val="2FC9FF"/>
-          </a:solidFill>
-          <a:ln>
-            <a:solidFill>
-              <a:schemeClr val="tx1">
-                <a:lumMod val="85000"/>
-                <a:lumOff val="15000"/>
-              </a:schemeClr>
-            </a:solidFill>
-            <a:prstDash val="dash"/>
-          </a:ln>
-        </p:spPr>
-        <p:style>
-          <a:lnRef idx="2">
-            <a:schemeClr val="accent1">
-              <a:shade val="50000"/>
-            </a:schemeClr>
-          </a:lnRef>
-          <a:fillRef idx="1">
-            <a:schemeClr val="accent1"/>
-          </a:fillRef>
-          <a:effectRef idx="0">
-            <a:schemeClr val="accent1"/>
-          </a:effectRef>
-          <a:fontRef idx="minor">
-            <a:schemeClr val="lt1"/>
-          </a:fontRef>
-        </p:style>
-        <p:txBody>
-          <a:bodyPr rtlCol="0" anchor="ctr"/>
-          <a:lstStyle/>
-          <a:p>
-            <a:pPr marL="0" marR="0" lvl="0" indent="0" algn="ctr" defTabSz="914400" rtl="0" eaLnBrk="1" fontAlgn="auto" latinLnBrk="0" hangingPunct="1">
-              <a:lnSpc>
-                <a:spcPct val="100000"/>
-              </a:lnSpc>
-              <a:spcBef>
-                <a:spcPts val="0"/>
-              </a:spcBef>
-              <a:spcAft>
-                <a:spcPts val="0"/>
-              </a:spcAft>
-              <a:buClrTx/>
-              <a:buSzTx/>
-              <a:buFontTx/>
-              <a:buNone/>
-              <a:tabLst/>
-              <a:defRPr/>
-            </a:pPr>
-            <a:endParaRPr kumimoji="0" lang="pt-BR" sz="1800" b="0" i="0" u="none" strike="noStrike" kern="1200" cap="none" spc="0" normalizeH="0" baseline="0" noProof="0">
-              <a:ln>
-                <a:noFill/>
-              </a:ln>
-              <a:solidFill>
-                <a:prstClr val="white"/>
-              </a:solidFill>
-              <a:effectLst/>
-              <a:uLnTx/>
-              <a:uFillTx/>
-              <a:latin typeface="Calibri" panose="020F0502020204030204"/>
-              <a:ea typeface="+mn-ea"/>
-              <a:cs typeface="+mn-cs"/>
-            </a:endParaRPr>
-          </a:p>
-        </p:txBody>
-      </p:sp>
-      <p:sp>
-        <p:nvSpPr>
-          <p:cNvPr id="6" name="Rectangle: Rounded Corners 5">
-            <a:extLst>
-              <a:ext uri="{FF2B5EF4-FFF2-40B4-BE49-F238E27FC236}">
-                <a16:creationId xmlns:a16="http://schemas.microsoft.com/office/drawing/2014/main" id="{6D71A02C-0965-43DD-A342-7F5D82D5FFE8}"/>
-              </a:ext>
-            </a:extLst>
-          </p:cNvPr>
-          <p:cNvSpPr/>
-          <p:nvPr/>
-        </p:nvSpPr>
-        <p:spPr>
-          <a:xfrm>
-            <a:off x="238539" y="218660"/>
-            <a:ext cx="1007165" cy="371060"/>
-          </a:xfrm>
-          <a:prstGeom prst="roundRect">
-            <a:avLst/>
-          </a:prstGeom>
-          <a:solidFill>
-            <a:schemeClr val="tx1">
-              <a:lumMod val="65000"/>
-              <a:lumOff val="35000"/>
-            </a:schemeClr>
-          </a:solidFill>
-          <a:ln>
-            <a:solidFill>
-              <a:schemeClr val="tx1">
-                <a:lumMod val="85000"/>
-                <a:lumOff val="15000"/>
-              </a:schemeClr>
-            </a:solidFill>
-            <a:prstDash val="dash"/>
-          </a:ln>
-        </p:spPr>
-        <p:style>
-          <a:lnRef idx="2">
-            <a:schemeClr val="accent1">
-              <a:shade val="50000"/>
-            </a:schemeClr>
-          </a:lnRef>
-          <a:fillRef idx="1">
-            <a:schemeClr val="accent1"/>
-          </a:fillRef>
-          <a:effectRef idx="0">
-            <a:schemeClr val="accent1"/>
-          </a:effectRef>
-          <a:fontRef idx="minor">
-            <a:schemeClr val="lt1"/>
-          </a:fontRef>
-        </p:style>
-        <p:txBody>
-          <a:bodyPr rtlCol="0" anchor="ctr"/>
-          <a:lstStyle/>
-          <a:p>
-            <a:pPr marL="0" marR="0" lvl="0" indent="0" algn="ctr" defTabSz="914400" rtl="0" eaLnBrk="1" fontAlgn="auto" latinLnBrk="0" hangingPunct="1">
-              <a:lnSpc>
-                <a:spcPct val="100000"/>
-              </a:lnSpc>
-              <a:spcBef>
-                <a:spcPts val="0"/>
-              </a:spcBef>
-              <a:spcAft>
-                <a:spcPts val="0"/>
-              </a:spcAft>
-              <a:buClrTx/>
-              <a:buSzTx/>
-              <a:buFontTx/>
-              <a:buNone/>
-              <a:tabLst/>
-              <a:defRPr/>
-            </a:pPr>
-            <a:r>
-              <a:rPr kumimoji="0" lang="pt-BR" sz="1800" b="0" i="0" u="none" strike="noStrike" kern="1200" cap="none" spc="0" normalizeH="0" baseline="0" noProof="0" dirty="0">
-                <a:ln>
-                  <a:noFill/>
-                </a:ln>
-                <a:solidFill>
-                  <a:prstClr val="white"/>
-                </a:solidFill>
-                <a:effectLst/>
-                <a:uLnTx/>
-                <a:uFillTx/>
-                <a:latin typeface="Calibri" panose="020F0502020204030204"/>
-                <a:ea typeface="+mn-ea"/>
-                <a:cs typeface="+mn-cs"/>
-              </a:rPr>
-              <a:t>AKASHA</a:t>
-            </a:r>
-          </a:p>
-        </p:txBody>
-      </p:sp>
-      <p:sp>
-        <p:nvSpPr>
-          <p:cNvPr id="8" name="Rectangle: Rounded Corners 7">
-            <a:extLst>
-              <a:ext uri="{FF2B5EF4-FFF2-40B4-BE49-F238E27FC236}">
-                <a16:creationId xmlns:a16="http://schemas.microsoft.com/office/drawing/2014/main" id="{615B7284-28FF-4655-BBF7-16A54C49E3FB}"/>
-              </a:ext>
-            </a:extLst>
-          </p:cNvPr>
-          <p:cNvSpPr/>
-          <p:nvPr/>
-        </p:nvSpPr>
-        <p:spPr>
-          <a:xfrm>
-            <a:off x="1378225" y="214123"/>
-            <a:ext cx="1908314" cy="371060"/>
-          </a:xfrm>
-          <a:prstGeom prst="roundRect">
-            <a:avLst/>
-          </a:prstGeom>
-          <a:solidFill>
-            <a:srgbClr val="8C3FC5"/>
-          </a:solidFill>
-          <a:ln>
-            <a:solidFill>
-              <a:schemeClr val="tx1">
-                <a:lumMod val="85000"/>
-                <a:lumOff val="15000"/>
-              </a:schemeClr>
-            </a:solidFill>
-            <a:prstDash val="dash"/>
-          </a:ln>
-        </p:spPr>
-        <p:style>
-          <a:lnRef idx="2">
-            <a:schemeClr val="accent1">
-              <a:shade val="50000"/>
-            </a:schemeClr>
-          </a:lnRef>
-          <a:fillRef idx="1">
-            <a:schemeClr val="accent1"/>
-          </a:fillRef>
-          <a:effectRef idx="0">
-            <a:schemeClr val="accent1"/>
-          </a:effectRef>
-          <a:fontRef idx="minor">
-            <a:schemeClr val="lt1"/>
-          </a:fontRef>
-        </p:style>
-        <p:txBody>
-          <a:bodyPr rtlCol="0" anchor="ctr"/>
-          <a:lstStyle/>
-          <a:p>
-            <a:pPr marL="0" marR="0" lvl="0" indent="0" algn="ctr" defTabSz="914400" rtl="0" eaLnBrk="1" fontAlgn="auto" latinLnBrk="0" hangingPunct="1">
-              <a:lnSpc>
-                <a:spcPct val="100000"/>
-              </a:lnSpc>
-              <a:spcBef>
-                <a:spcPts val="0"/>
-              </a:spcBef>
-              <a:spcAft>
-                <a:spcPts val="0"/>
-              </a:spcAft>
-              <a:buClrTx/>
-              <a:buSzTx/>
-              <a:buFontTx/>
-              <a:buNone/>
-              <a:tabLst/>
-              <a:defRPr/>
-            </a:pPr>
-            <a:r>
-              <a:rPr kumimoji="0" lang="pt-BR" sz="1800" b="0" i="0" u="none" strike="noStrike" kern="1200" cap="none" spc="0" normalizeH="0" baseline="0" noProof="0" dirty="0">
-                <a:ln>
-                  <a:noFill/>
-                </a:ln>
-                <a:solidFill>
-                  <a:prstClr val="white"/>
-                </a:solidFill>
-                <a:effectLst/>
-                <a:uLnTx/>
-                <a:uFillTx/>
-                <a:latin typeface="Calibri" panose="020F0502020204030204"/>
-                <a:ea typeface="+mn-ea"/>
-                <a:cs typeface="+mn-cs"/>
-              </a:rPr>
-              <a:t>Bounties Network</a:t>
-            </a:r>
-          </a:p>
-        </p:txBody>
-      </p:sp>
-      <p:sp>
-        <p:nvSpPr>
-          <p:cNvPr id="9" name="Rectangle: Rounded Corners 8">
-            <a:extLst>
-              <a:ext uri="{FF2B5EF4-FFF2-40B4-BE49-F238E27FC236}">
-                <a16:creationId xmlns:a16="http://schemas.microsoft.com/office/drawing/2014/main" id="{822EAF2A-EA87-430E-9CA7-E8F3BAD0D43A}"/>
-              </a:ext>
-            </a:extLst>
-          </p:cNvPr>
-          <p:cNvSpPr/>
-          <p:nvPr/>
-        </p:nvSpPr>
-        <p:spPr>
-          <a:xfrm>
-            <a:off x="3419060" y="214123"/>
-            <a:ext cx="523462" cy="371060"/>
-          </a:xfrm>
-          <a:prstGeom prst="roundRect">
-            <a:avLst/>
-          </a:prstGeom>
-          <a:solidFill>
-            <a:srgbClr val="F67EE8"/>
-          </a:solidFill>
-          <a:ln>
-            <a:solidFill>
-              <a:schemeClr val="tx1">
-                <a:lumMod val="85000"/>
-                <a:lumOff val="15000"/>
-              </a:schemeClr>
-            </a:solidFill>
-            <a:prstDash val="dash"/>
-          </a:ln>
-        </p:spPr>
-        <p:style>
-          <a:lnRef idx="2">
-            <a:schemeClr val="accent1">
-              <a:shade val="50000"/>
-            </a:schemeClr>
-          </a:lnRef>
-          <a:fillRef idx="1">
-            <a:schemeClr val="accent1"/>
-          </a:fillRef>
-          <a:effectRef idx="0">
-            <a:schemeClr val="accent1"/>
-          </a:effectRef>
-          <a:fontRef idx="minor">
-            <a:schemeClr val="lt1"/>
-          </a:fontRef>
-        </p:style>
-        <p:txBody>
-          <a:bodyPr rtlCol="0" anchor="ctr"/>
-          <a:lstStyle/>
-          <a:p>
-            <a:pPr marL="0" marR="0" lvl="0" indent="0" algn="ctr" defTabSz="914400" rtl="0" eaLnBrk="1" fontAlgn="auto" latinLnBrk="0" hangingPunct="1">
-              <a:lnSpc>
-                <a:spcPct val="100000"/>
-              </a:lnSpc>
-              <a:spcBef>
-                <a:spcPts val="0"/>
-              </a:spcBef>
-              <a:spcAft>
-                <a:spcPts val="0"/>
-              </a:spcAft>
-              <a:buClrTx/>
-              <a:buSzTx/>
-              <a:buFontTx/>
-              <a:buNone/>
-              <a:tabLst/>
-              <a:defRPr/>
-            </a:pPr>
-            <a:r>
-              <a:rPr kumimoji="0" lang="pt-BR" sz="1800" b="1" i="0" u="none" strike="noStrike" kern="1200" cap="none" spc="0" normalizeH="0" baseline="0" noProof="0" dirty="0">
-                <a:ln>
-                  <a:noFill/>
-                </a:ln>
-                <a:solidFill>
-                  <a:srgbClr val="7030A0"/>
-                </a:solidFill>
-                <a:effectLst/>
-                <a:uLnTx/>
-                <a:uFillTx/>
-                <a:latin typeface="Calibri" panose="020F0502020204030204"/>
-                <a:ea typeface="+mn-ea"/>
-                <a:cs typeface="+mn-cs"/>
-              </a:rPr>
-              <a:t>+</a:t>
-            </a:r>
-          </a:p>
-        </p:txBody>
-      </p:sp>
-      <p:sp>
-        <p:nvSpPr>
-          <p:cNvPr id="10" name="Rectangle: Rounded Corners 9">
-            <a:extLst>
-              <a:ext uri="{FF2B5EF4-FFF2-40B4-BE49-F238E27FC236}">
-                <a16:creationId xmlns:a16="http://schemas.microsoft.com/office/drawing/2014/main" id="{9F1774C9-BC14-4FC6-A68F-7BFFCE27C147}"/>
-              </a:ext>
-            </a:extLst>
-          </p:cNvPr>
-          <p:cNvSpPr/>
-          <p:nvPr/>
-        </p:nvSpPr>
-        <p:spPr>
-          <a:xfrm>
-            <a:off x="11605592" y="214123"/>
-            <a:ext cx="284921" cy="371060"/>
-          </a:xfrm>
-          <a:prstGeom prst="roundRect">
-            <a:avLst/>
-          </a:prstGeom>
-          <a:solidFill>
-            <a:srgbClr val="FF4343"/>
-          </a:solidFill>
-          <a:ln>
-            <a:solidFill>
-              <a:schemeClr val="tx1">
-                <a:lumMod val="85000"/>
-                <a:lumOff val="15000"/>
-              </a:schemeClr>
-            </a:solidFill>
-            <a:prstDash val="dash"/>
-          </a:ln>
-        </p:spPr>
-        <p:style>
-          <a:lnRef idx="2">
-            <a:schemeClr val="accent1">
-              <a:shade val="50000"/>
-            </a:schemeClr>
-          </a:lnRef>
-          <a:fillRef idx="1">
-            <a:schemeClr val="accent1"/>
-          </a:fillRef>
-          <a:effectRef idx="0">
-            <a:schemeClr val="accent1"/>
-          </a:effectRef>
-          <a:fontRef idx="minor">
-            <a:schemeClr val="lt1"/>
-          </a:fontRef>
-        </p:style>
-        <p:txBody>
-          <a:bodyPr rtlCol="0" anchor="ctr"/>
-          <a:lstStyle/>
-          <a:p>
-            <a:pPr marL="0" marR="0" lvl="0" indent="0" algn="ctr" defTabSz="914400" rtl="0" eaLnBrk="1" fontAlgn="auto" latinLnBrk="0" hangingPunct="1">
-              <a:lnSpc>
-                <a:spcPct val="100000"/>
-              </a:lnSpc>
-              <a:spcBef>
-                <a:spcPts val="0"/>
-              </a:spcBef>
-              <a:spcAft>
-                <a:spcPts val="0"/>
-              </a:spcAft>
-              <a:buClrTx/>
-              <a:buSzTx/>
-              <a:buFontTx/>
-              <a:buNone/>
-              <a:tabLst/>
-              <a:defRPr/>
-            </a:pPr>
-            <a:endParaRPr kumimoji="0" lang="pt-BR" sz="1800" b="1" i="0" u="none" strike="noStrike" kern="1200" cap="none" spc="0" normalizeH="0" baseline="0" noProof="0" dirty="0">
-              <a:ln>
-                <a:noFill/>
-              </a:ln>
-              <a:solidFill>
-                <a:srgbClr val="7030A0"/>
-              </a:solidFill>
-              <a:effectLst/>
-              <a:uLnTx/>
-              <a:uFillTx/>
-              <a:latin typeface="Calibri" panose="020F0502020204030204"/>
-              <a:ea typeface="+mn-ea"/>
-              <a:cs typeface="+mn-cs"/>
-            </a:endParaRPr>
-          </a:p>
-        </p:txBody>
-      </p:sp>
-      <p:sp>
-        <p:nvSpPr>
-          <p:cNvPr id="11" name="Rectangle: Rounded Corners 10">
-            <a:extLst>
-              <a:ext uri="{FF2B5EF4-FFF2-40B4-BE49-F238E27FC236}">
-                <a16:creationId xmlns:a16="http://schemas.microsoft.com/office/drawing/2014/main" id="{9354C568-2CEB-4721-AFC3-F85F8F638ABD}"/>
-              </a:ext>
-            </a:extLst>
-          </p:cNvPr>
-          <p:cNvSpPr/>
-          <p:nvPr/>
-        </p:nvSpPr>
-        <p:spPr>
-          <a:xfrm>
-            <a:off x="11244471" y="214123"/>
-            <a:ext cx="284921" cy="371060"/>
-          </a:xfrm>
-          <a:prstGeom prst="roundRect">
-            <a:avLst/>
-          </a:prstGeom>
-          <a:solidFill>
-            <a:srgbClr val="6666FF"/>
-          </a:solidFill>
-          <a:ln>
-            <a:solidFill>
-              <a:schemeClr val="tx1">
-                <a:lumMod val="85000"/>
-                <a:lumOff val="15000"/>
-              </a:schemeClr>
-            </a:solidFill>
-            <a:prstDash val="dash"/>
-          </a:ln>
-        </p:spPr>
-        <p:style>
-          <a:lnRef idx="2">
-            <a:schemeClr val="accent1">
-              <a:shade val="50000"/>
-            </a:schemeClr>
-          </a:lnRef>
-          <a:fillRef idx="1">
-            <a:schemeClr val="accent1"/>
-          </a:fillRef>
-          <a:effectRef idx="0">
-            <a:schemeClr val="accent1"/>
-          </a:effectRef>
-          <a:fontRef idx="minor">
-            <a:schemeClr val="lt1"/>
-          </a:fontRef>
-        </p:style>
-        <p:txBody>
-          <a:bodyPr rtlCol="0" anchor="ctr"/>
-          <a:lstStyle/>
-          <a:p>
-            <a:pPr marL="0" marR="0" lvl="0" indent="0" algn="ctr" defTabSz="914400" rtl="0" eaLnBrk="1" fontAlgn="auto" latinLnBrk="0" hangingPunct="1">
-              <a:lnSpc>
-                <a:spcPct val="100000"/>
-              </a:lnSpc>
-              <a:spcBef>
-                <a:spcPts val="0"/>
-              </a:spcBef>
-              <a:spcAft>
-                <a:spcPts val="0"/>
-              </a:spcAft>
-              <a:buClrTx/>
-              <a:buSzTx/>
-              <a:buFontTx/>
-              <a:buNone/>
-              <a:tabLst/>
-              <a:defRPr/>
-            </a:pPr>
-            <a:endParaRPr kumimoji="0" lang="pt-BR" sz="1800" b="1" i="0" u="none" strike="noStrike" kern="1200" cap="none" spc="0" normalizeH="0" baseline="0" noProof="0" dirty="0">
-              <a:ln>
-                <a:noFill/>
-              </a:ln>
-              <a:solidFill>
-                <a:srgbClr val="7030A0"/>
-              </a:solidFill>
-              <a:effectLst/>
-              <a:uLnTx/>
-              <a:uFillTx/>
-              <a:latin typeface="Calibri" panose="020F0502020204030204"/>
-              <a:ea typeface="+mn-ea"/>
-              <a:cs typeface="+mn-cs"/>
-            </a:endParaRPr>
-          </a:p>
-        </p:txBody>
-      </p:sp>
-      <p:sp>
-        <p:nvSpPr>
-          <p:cNvPr id="13" name="Rectangle: Rounded Corners 12">
-            <a:extLst>
-              <a:ext uri="{FF2B5EF4-FFF2-40B4-BE49-F238E27FC236}">
-                <a16:creationId xmlns:a16="http://schemas.microsoft.com/office/drawing/2014/main" id="{DDE4F045-283A-45F0-A0DC-1A0C79E30D40}"/>
-              </a:ext>
-            </a:extLst>
-          </p:cNvPr>
-          <p:cNvSpPr/>
-          <p:nvPr/>
-        </p:nvSpPr>
-        <p:spPr>
-          <a:xfrm>
-            <a:off x="10883350" y="218660"/>
-            <a:ext cx="284921" cy="371060"/>
-          </a:xfrm>
-          <a:prstGeom prst="roundRect">
-            <a:avLst/>
-          </a:prstGeom>
-          <a:solidFill>
-            <a:srgbClr val="FFC000"/>
-          </a:solidFill>
-          <a:ln>
-            <a:solidFill>
-              <a:schemeClr val="tx1">
-                <a:lumMod val="85000"/>
-                <a:lumOff val="15000"/>
-              </a:schemeClr>
-            </a:solidFill>
-            <a:prstDash val="dash"/>
-          </a:ln>
-        </p:spPr>
-        <p:style>
-          <a:lnRef idx="2">
-            <a:schemeClr val="accent1">
-              <a:shade val="50000"/>
-            </a:schemeClr>
-          </a:lnRef>
-          <a:fillRef idx="1">
-            <a:schemeClr val="accent1"/>
-          </a:fillRef>
-          <a:effectRef idx="0">
-            <a:schemeClr val="accent1"/>
-          </a:effectRef>
-          <a:fontRef idx="minor">
-            <a:schemeClr val="lt1"/>
-          </a:fontRef>
-        </p:style>
-        <p:txBody>
-          <a:bodyPr rtlCol="0" anchor="ctr"/>
-          <a:lstStyle/>
-          <a:p>
-            <a:pPr marL="0" marR="0" lvl="0" indent="0" algn="ctr" defTabSz="914400" rtl="0" eaLnBrk="1" fontAlgn="auto" latinLnBrk="0" hangingPunct="1">
-              <a:lnSpc>
-                <a:spcPct val="100000"/>
-              </a:lnSpc>
-              <a:spcBef>
-                <a:spcPts val="0"/>
-              </a:spcBef>
-              <a:spcAft>
-                <a:spcPts val="0"/>
-              </a:spcAft>
-              <a:buClrTx/>
-              <a:buSzTx/>
-              <a:buFontTx/>
-              <a:buNone/>
-              <a:tabLst/>
-              <a:defRPr/>
-            </a:pPr>
-            <a:endParaRPr kumimoji="0" lang="pt-BR" sz="1800" b="1" i="0" u="none" strike="noStrike" kern="1200" cap="none" spc="0" normalizeH="0" baseline="0" noProof="0" dirty="0">
-              <a:ln>
-                <a:noFill/>
-              </a:ln>
-              <a:solidFill>
-                <a:srgbClr val="7030A0"/>
-              </a:solidFill>
-              <a:effectLst/>
-              <a:uLnTx/>
-              <a:uFillTx/>
-              <a:latin typeface="Calibri" panose="020F0502020204030204"/>
-              <a:ea typeface="+mn-ea"/>
-              <a:cs typeface="+mn-cs"/>
-            </a:endParaRPr>
-          </a:p>
-        </p:txBody>
-      </p:sp>
-      <p:sp>
-        <p:nvSpPr>
-          <p:cNvPr id="18" name="Rectangle: Rounded Corners 17">
-            <a:extLst>
-              <a:ext uri="{FF2B5EF4-FFF2-40B4-BE49-F238E27FC236}">
-                <a16:creationId xmlns:a16="http://schemas.microsoft.com/office/drawing/2014/main" id="{9CBB2DE9-7394-4EDD-8AE4-984B228A59A3}"/>
-              </a:ext>
-            </a:extLst>
-          </p:cNvPr>
-          <p:cNvSpPr/>
-          <p:nvPr/>
-        </p:nvSpPr>
-        <p:spPr>
-          <a:xfrm>
-            <a:off x="3762626" y="744418"/>
-            <a:ext cx="4625009" cy="371060"/>
-          </a:xfrm>
-          <a:prstGeom prst="roundRect">
-            <a:avLst/>
-          </a:prstGeom>
-          <a:solidFill>
-            <a:schemeClr val="bg1">
-              <a:lumMod val="75000"/>
-            </a:schemeClr>
-          </a:solidFill>
-          <a:ln>
-            <a:solidFill>
-              <a:schemeClr val="tx1">
-                <a:lumMod val="85000"/>
-                <a:lumOff val="15000"/>
-              </a:schemeClr>
-            </a:solidFill>
-            <a:prstDash val="dash"/>
-          </a:ln>
-        </p:spPr>
-        <p:style>
-          <a:lnRef idx="2">
-            <a:schemeClr val="accent1">
-              <a:shade val="50000"/>
-            </a:schemeClr>
-          </a:lnRef>
-          <a:fillRef idx="1">
-            <a:schemeClr val="accent1"/>
-          </a:fillRef>
-          <a:effectRef idx="0">
-            <a:schemeClr val="accent1"/>
-          </a:effectRef>
-          <a:fontRef idx="minor">
-            <a:schemeClr val="lt1"/>
-          </a:fontRef>
-        </p:style>
-        <p:txBody>
-          <a:bodyPr rtlCol="0" anchor="ctr"/>
-          <a:lstStyle/>
-          <a:p>
-            <a:pPr marL="0" marR="0" lvl="0" indent="0" algn="ctr" defTabSz="914400" rtl="0" eaLnBrk="1" fontAlgn="auto" latinLnBrk="0" hangingPunct="1">
-              <a:lnSpc>
-                <a:spcPct val="100000"/>
-              </a:lnSpc>
-              <a:spcBef>
-                <a:spcPts val="0"/>
-              </a:spcBef>
-              <a:spcAft>
-                <a:spcPts val="0"/>
-              </a:spcAft>
-              <a:buClrTx/>
-              <a:buSzTx/>
-              <a:buFontTx/>
-              <a:buNone/>
-              <a:tabLst/>
-              <a:defRPr/>
-            </a:pPr>
-            <a:r>
-              <a:rPr kumimoji="0" lang="pt-BR" sz="1800" b="1" i="0" u="none" strike="noStrike" kern="1200" cap="none" spc="0" normalizeH="0" baseline="0" noProof="0" dirty="0">
-                <a:ln>
-                  <a:noFill/>
-                </a:ln>
-                <a:solidFill>
-                  <a:prstClr val="black"/>
-                </a:solidFill>
-                <a:effectLst/>
-                <a:uLnTx/>
-                <a:uFillTx/>
-                <a:latin typeface="Calibri" panose="020F0502020204030204"/>
-                <a:ea typeface="+mn-ea"/>
-                <a:cs typeface="+mn-cs"/>
-              </a:rPr>
-              <a:t>https://site.com</a:t>
-            </a:r>
-          </a:p>
-        </p:txBody>
-      </p:sp>
-      <p:sp>
-        <p:nvSpPr>
-          <p:cNvPr id="19" name="Rectangle: Rounded Corners 18">
-            <a:extLst>
-              <a:ext uri="{FF2B5EF4-FFF2-40B4-BE49-F238E27FC236}">
-                <a16:creationId xmlns:a16="http://schemas.microsoft.com/office/drawing/2014/main" id="{7DB9B4B2-8913-4D7F-A517-6F0246712FDC}"/>
-              </a:ext>
-            </a:extLst>
-          </p:cNvPr>
-          <p:cNvSpPr/>
-          <p:nvPr/>
-        </p:nvSpPr>
-        <p:spPr>
-          <a:xfrm>
-            <a:off x="1882071" y="744861"/>
-            <a:ext cx="370800" cy="371060"/>
-          </a:xfrm>
-          <a:prstGeom prst="roundRect">
-            <a:avLst/>
-          </a:prstGeom>
-          <a:solidFill>
-            <a:srgbClr val="2FC9FF"/>
-          </a:solidFill>
-          <a:ln>
-            <a:solidFill>
-              <a:schemeClr val="tx1">
-                <a:lumMod val="85000"/>
-                <a:lumOff val="15000"/>
-              </a:schemeClr>
-            </a:solidFill>
-            <a:prstDash val="dash"/>
-          </a:ln>
-        </p:spPr>
-        <p:style>
-          <a:lnRef idx="2">
-            <a:schemeClr val="accent1">
-              <a:shade val="50000"/>
-            </a:schemeClr>
-          </a:lnRef>
-          <a:fillRef idx="1">
-            <a:schemeClr val="accent1"/>
-          </a:fillRef>
-          <a:effectRef idx="0">
-            <a:schemeClr val="accent1"/>
-          </a:effectRef>
-          <a:fontRef idx="minor">
-            <a:schemeClr val="lt1"/>
-          </a:fontRef>
-        </p:style>
-        <p:txBody>
-          <a:bodyPr rtlCol="0" anchor="ctr"/>
-          <a:lstStyle/>
-          <a:p>
-            <a:pPr marL="0" marR="0" lvl="0" indent="0" algn="ctr" defTabSz="914400" rtl="0" eaLnBrk="1" fontAlgn="auto" latinLnBrk="0" hangingPunct="1">
-              <a:lnSpc>
-                <a:spcPct val="100000"/>
-              </a:lnSpc>
-              <a:spcBef>
-                <a:spcPts val="0"/>
-              </a:spcBef>
-              <a:spcAft>
-                <a:spcPts val="0"/>
-              </a:spcAft>
-              <a:buClrTx/>
-              <a:buSzTx/>
-              <a:buFontTx/>
-              <a:buNone/>
-              <a:tabLst/>
-              <a:defRPr/>
-            </a:pPr>
-            <a:endParaRPr kumimoji="0" lang="pt-BR" sz="1800" b="1" i="0" u="none" strike="noStrike" kern="1200" cap="none" spc="0" normalizeH="0" baseline="0" noProof="0" dirty="0">
-              <a:ln>
-                <a:noFill/>
-              </a:ln>
-              <a:solidFill>
-                <a:srgbClr val="7030A0"/>
-              </a:solidFill>
-              <a:effectLst/>
-              <a:uLnTx/>
-              <a:uFillTx/>
-              <a:latin typeface="Calibri" panose="020F0502020204030204"/>
-              <a:ea typeface="+mn-ea"/>
-              <a:cs typeface="+mn-cs"/>
-            </a:endParaRPr>
-          </a:p>
-        </p:txBody>
-      </p:sp>
-      <p:sp>
-        <p:nvSpPr>
-          <p:cNvPr id="20" name="Rectangle: Rounded Corners 19">
-            <a:extLst>
-              <a:ext uri="{FF2B5EF4-FFF2-40B4-BE49-F238E27FC236}">
-                <a16:creationId xmlns:a16="http://schemas.microsoft.com/office/drawing/2014/main" id="{DADD572D-EFD1-44AC-BB13-2B898FBCBB54}"/>
-              </a:ext>
-            </a:extLst>
-          </p:cNvPr>
-          <p:cNvSpPr/>
-          <p:nvPr/>
-        </p:nvSpPr>
-        <p:spPr>
-          <a:xfrm>
-            <a:off x="1378489" y="736644"/>
-            <a:ext cx="370800" cy="371060"/>
-          </a:xfrm>
-          <a:prstGeom prst="roundRect">
-            <a:avLst/>
-          </a:prstGeom>
-          <a:solidFill>
-            <a:srgbClr val="2FC9FF"/>
-          </a:solidFill>
-          <a:ln>
-            <a:solidFill>
-              <a:schemeClr val="tx1">
-                <a:lumMod val="85000"/>
-                <a:lumOff val="15000"/>
-              </a:schemeClr>
-            </a:solidFill>
-            <a:prstDash val="dash"/>
-          </a:ln>
-        </p:spPr>
-        <p:style>
-          <a:lnRef idx="2">
-            <a:schemeClr val="accent1">
-              <a:shade val="50000"/>
-            </a:schemeClr>
-          </a:lnRef>
-          <a:fillRef idx="1">
-            <a:schemeClr val="accent1"/>
-          </a:fillRef>
-          <a:effectRef idx="0">
-            <a:schemeClr val="accent1"/>
-          </a:effectRef>
-          <a:fontRef idx="minor">
-            <a:schemeClr val="lt1"/>
-          </a:fontRef>
-        </p:style>
-        <p:txBody>
-          <a:bodyPr rtlCol="0" anchor="ctr"/>
-          <a:lstStyle/>
-          <a:p>
-            <a:pPr marL="0" marR="0" lvl="0" indent="0" algn="ctr" defTabSz="914400" rtl="0" eaLnBrk="1" fontAlgn="auto" latinLnBrk="0" hangingPunct="1">
-              <a:lnSpc>
-                <a:spcPct val="100000"/>
-              </a:lnSpc>
-              <a:spcBef>
-                <a:spcPts val="0"/>
-              </a:spcBef>
-              <a:spcAft>
-                <a:spcPts val="0"/>
-              </a:spcAft>
-              <a:buClrTx/>
-              <a:buSzTx/>
-              <a:buFontTx/>
-              <a:buNone/>
-              <a:tabLst/>
-              <a:defRPr/>
-            </a:pPr>
-            <a:endParaRPr kumimoji="0" lang="pt-BR" sz="1800" b="1" i="0" u="none" strike="noStrike" kern="1200" cap="none" spc="0" normalizeH="0" baseline="0" noProof="0" dirty="0">
-              <a:ln>
-                <a:noFill/>
-              </a:ln>
-              <a:solidFill>
-                <a:srgbClr val="7030A0"/>
-              </a:solidFill>
-              <a:effectLst/>
-              <a:uLnTx/>
-              <a:uFillTx/>
-              <a:latin typeface="Calibri" panose="020F0502020204030204"/>
-              <a:ea typeface="+mn-ea"/>
-              <a:cs typeface="+mn-cs"/>
-            </a:endParaRPr>
-          </a:p>
-        </p:txBody>
-      </p:sp>
-      <p:sp>
-        <p:nvSpPr>
-          <p:cNvPr id="21" name="Oval 20">
-            <a:extLst>
-              <a:ext uri="{FF2B5EF4-FFF2-40B4-BE49-F238E27FC236}">
-                <a16:creationId xmlns:a16="http://schemas.microsoft.com/office/drawing/2014/main" id="{43EDA070-392F-42A5-9C15-3462630CD5EA}"/>
-              </a:ext>
-            </a:extLst>
-          </p:cNvPr>
-          <p:cNvSpPr/>
-          <p:nvPr/>
-        </p:nvSpPr>
-        <p:spPr>
-          <a:xfrm>
-            <a:off x="371322" y="746139"/>
-            <a:ext cx="370800" cy="370800"/>
-          </a:xfrm>
-          <a:prstGeom prst="ellipse">
-            <a:avLst/>
-          </a:prstGeom>
-          <a:solidFill>
-            <a:srgbClr val="2FC9FF"/>
-          </a:solidFill>
-          <a:ln>
-            <a:solidFill>
-              <a:schemeClr val="tx1">
-                <a:lumMod val="85000"/>
-                <a:lumOff val="15000"/>
-              </a:schemeClr>
-            </a:solidFill>
-            <a:prstDash val="dash"/>
-          </a:ln>
-        </p:spPr>
-        <p:style>
-          <a:lnRef idx="2">
-            <a:schemeClr val="accent1">
-              <a:shade val="50000"/>
-            </a:schemeClr>
-          </a:lnRef>
-          <a:fillRef idx="1">
-            <a:schemeClr val="accent1"/>
-          </a:fillRef>
-          <a:effectRef idx="0">
-            <a:schemeClr val="accent1"/>
-          </a:effectRef>
-          <a:fontRef idx="minor">
-            <a:schemeClr val="lt1"/>
-          </a:fontRef>
-        </p:style>
-        <p:txBody>
-          <a:bodyPr rtlCol="0" anchor="ctr"/>
-          <a:lstStyle/>
-          <a:p>
-            <a:pPr marL="0" marR="0" lvl="0" indent="0" algn="ctr" defTabSz="914400" rtl="0" eaLnBrk="1" fontAlgn="auto" latinLnBrk="0" hangingPunct="1">
-              <a:lnSpc>
-                <a:spcPct val="100000"/>
-              </a:lnSpc>
-              <a:spcBef>
-                <a:spcPts val="0"/>
-              </a:spcBef>
-              <a:spcAft>
-                <a:spcPts val="0"/>
-              </a:spcAft>
-              <a:buClrTx/>
-              <a:buSzTx/>
-              <a:buFontTx/>
-              <a:buNone/>
-              <a:tabLst/>
-              <a:defRPr/>
-            </a:pPr>
-            <a:endParaRPr kumimoji="0" lang="pt-BR" sz="1800" b="0" i="0" u="none" strike="noStrike" kern="1200" cap="none" spc="0" normalizeH="0" baseline="0" noProof="0">
-              <a:ln>
-                <a:noFill/>
-              </a:ln>
-              <a:solidFill>
-                <a:prstClr val="white"/>
-              </a:solidFill>
-              <a:effectLst/>
-              <a:uLnTx/>
-              <a:uFillTx/>
-              <a:latin typeface="Calibri" panose="020F0502020204030204"/>
-              <a:ea typeface="+mn-ea"/>
-              <a:cs typeface="+mn-cs"/>
-            </a:endParaRPr>
-          </a:p>
-        </p:txBody>
-      </p:sp>
-      <p:sp>
-        <p:nvSpPr>
-          <p:cNvPr id="22" name="Oval 21">
-            <a:extLst>
-              <a:ext uri="{FF2B5EF4-FFF2-40B4-BE49-F238E27FC236}">
-                <a16:creationId xmlns:a16="http://schemas.microsoft.com/office/drawing/2014/main" id="{0DAFF9AC-DB0C-4EDA-ABDA-FF01A27603B6}"/>
-              </a:ext>
-            </a:extLst>
-          </p:cNvPr>
-          <p:cNvSpPr/>
-          <p:nvPr/>
-        </p:nvSpPr>
-        <p:spPr>
-          <a:xfrm>
-            <a:off x="874904" y="740662"/>
-            <a:ext cx="370800" cy="370800"/>
-          </a:xfrm>
-          <a:prstGeom prst="ellipse">
-            <a:avLst/>
-          </a:prstGeom>
-          <a:solidFill>
-            <a:srgbClr val="2FC9FF"/>
-          </a:solidFill>
-          <a:ln>
-            <a:solidFill>
-              <a:schemeClr val="tx1">
-                <a:lumMod val="85000"/>
-                <a:lumOff val="15000"/>
-              </a:schemeClr>
-            </a:solidFill>
-            <a:prstDash val="dash"/>
-          </a:ln>
-        </p:spPr>
-        <p:style>
-          <a:lnRef idx="2">
-            <a:schemeClr val="accent1">
-              <a:shade val="50000"/>
-            </a:schemeClr>
-          </a:lnRef>
-          <a:fillRef idx="1">
-            <a:schemeClr val="accent1"/>
-          </a:fillRef>
-          <a:effectRef idx="0">
-            <a:schemeClr val="accent1"/>
-          </a:effectRef>
-          <a:fontRef idx="minor">
-            <a:schemeClr val="lt1"/>
-          </a:fontRef>
-        </p:style>
-        <p:txBody>
-          <a:bodyPr rtlCol="0" anchor="ctr"/>
-          <a:lstStyle/>
-          <a:p>
-            <a:pPr marL="0" marR="0" lvl="0" indent="0" algn="ctr" defTabSz="914400" rtl="0" eaLnBrk="1" fontAlgn="auto" latinLnBrk="0" hangingPunct="1">
-              <a:lnSpc>
-                <a:spcPct val="100000"/>
-              </a:lnSpc>
-              <a:spcBef>
-                <a:spcPts val="0"/>
-              </a:spcBef>
-              <a:spcAft>
-                <a:spcPts val="0"/>
-              </a:spcAft>
-              <a:buClrTx/>
-              <a:buSzTx/>
-              <a:buFontTx/>
-              <a:buNone/>
-              <a:tabLst/>
-              <a:defRPr/>
-            </a:pPr>
-            <a:endParaRPr kumimoji="0" lang="pt-BR" sz="1800" b="0" i="0" u="none" strike="noStrike" kern="1200" cap="none" spc="0" normalizeH="0" baseline="0" noProof="0">
-              <a:ln>
-                <a:noFill/>
-              </a:ln>
-              <a:solidFill>
-                <a:prstClr val="white"/>
-              </a:solidFill>
-              <a:effectLst/>
-              <a:uLnTx/>
-              <a:uFillTx/>
-              <a:latin typeface="Calibri" panose="020F0502020204030204"/>
-              <a:ea typeface="+mn-ea"/>
-              <a:cs typeface="+mn-cs"/>
-            </a:endParaRPr>
-          </a:p>
-        </p:txBody>
-      </p:sp>
-      <p:sp>
-        <p:nvSpPr>
-          <p:cNvPr id="23" name="Rectangle: Rounded Corners 22">
-            <a:extLst>
-              <a:ext uri="{FF2B5EF4-FFF2-40B4-BE49-F238E27FC236}">
-                <a16:creationId xmlns:a16="http://schemas.microsoft.com/office/drawing/2014/main" id="{AEE9EC90-1CC6-4F55-B785-761FE27B9D84}"/>
-              </a:ext>
-            </a:extLst>
-          </p:cNvPr>
-          <p:cNvSpPr/>
-          <p:nvPr/>
-        </p:nvSpPr>
-        <p:spPr>
-          <a:xfrm>
-            <a:off x="11343992" y="736644"/>
-            <a:ext cx="370800" cy="371060"/>
-          </a:xfrm>
-          <a:prstGeom prst="roundRect">
-            <a:avLst/>
-          </a:prstGeom>
-          <a:solidFill>
-            <a:srgbClr val="2FC9FF"/>
-          </a:solidFill>
-          <a:ln>
-            <a:solidFill>
-              <a:schemeClr val="tx1">
-                <a:lumMod val="85000"/>
-                <a:lumOff val="15000"/>
-              </a:schemeClr>
-            </a:solidFill>
-            <a:prstDash val="dash"/>
-          </a:ln>
-        </p:spPr>
-        <p:style>
-          <a:lnRef idx="2">
-            <a:schemeClr val="accent1">
-              <a:shade val="50000"/>
-            </a:schemeClr>
-          </a:lnRef>
-          <a:fillRef idx="1">
-            <a:schemeClr val="accent1"/>
-          </a:fillRef>
-          <a:effectRef idx="0">
-            <a:schemeClr val="accent1"/>
-          </a:effectRef>
-          <a:fontRef idx="minor">
-            <a:schemeClr val="lt1"/>
-          </a:fontRef>
-        </p:style>
-        <p:txBody>
-          <a:bodyPr rtlCol="0" anchor="ctr"/>
-          <a:lstStyle/>
-          <a:p>
-            <a:pPr marL="0" marR="0" lvl="0" indent="0" algn="ctr" defTabSz="914400" rtl="0" eaLnBrk="1" fontAlgn="auto" latinLnBrk="0" hangingPunct="1">
-              <a:lnSpc>
-                <a:spcPct val="100000"/>
-              </a:lnSpc>
-              <a:spcBef>
-                <a:spcPts val="0"/>
-              </a:spcBef>
-              <a:spcAft>
-                <a:spcPts val="0"/>
-              </a:spcAft>
-              <a:buClrTx/>
-              <a:buSzTx/>
-              <a:buFontTx/>
-              <a:buNone/>
-              <a:tabLst/>
-              <a:defRPr/>
-            </a:pPr>
-            <a:endParaRPr kumimoji="0" lang="pt-BR" sz="1800" b="1" i="0" u="none" strike="noStrike" kern="1200" cap="none" spc="0" normalizeH="0" baseline="0" noProof="0" dirty="0">
-              <a:ln>
-                <a:noFill/>
-              </a:ln>
-              <a:solidFill>
-                <a:srgbClr val="7030A0"/>
-              </a:solidFill>
-              <a:effectLst/>
-              <a:uLnTx/>
-              <a:uFillTx/>
-              <a:latin typeface="Calibri" panose="020F0502020204030204"/>
-              <a:ea typeface="+mn-ea"/>
-              <a:cs typeface="+mn-cs"/>
-            </a:endParaRPr>
-          </a:p>
-        </p:txBody>
-      </p:sp>
-    </p:spTree>
-    <p:extLst>
-      <p:ext uri="{BB962C8B-B14F-4D97-AF65-F5344CB8AC3E}">
-        <p14:creationId xmlns:p14="http://schemas.microsoft.com/office/powerpoint/2010/main" val="3602926689"/>
-      </p:ext>
-    </p:extLst>
-  </p:cSld>
-  <p:clrMapOvr>
-    <a:masterClrMapping/>
-  </p:clrMapOvr>
-</p:sld>
-</file>
-
-<file path=ppt/slides/slide3.xml><?xml version="1.0" encoding="utf-8"?>
-<p:sld xmlns:a="http://schemas.openxmlformats.org/drawingml/2006/main" xmlns:r="http://schemas.openxmlformats.org/officeDocument/2006/relationships" xmlns:p="http://schemas.openxmlformats.org/presentationml/2006/main">
-  <p:cSld>
-    <p:spTree>
-      <p:nvGrpSpPr>
-        <p:cNvPr id="1" name=""/>
-        <p:cNvGrpSpPr/>
-        <p:nvPr/>
-      </p:nvGrpSpPr>
-      <p:grpSpPr>
-        <a:xfrm>
-          <a:off x="0" y="0"/>
-          <a:ext cx="0" cy="0"/>
-          <a:chOff x="0" y="0"/>
-          <a:chExt cx="0" cy="0"/>
-        </a:xfrm>
-      </p:grpSpPr>
-      <p:sp>
-        <p:nvSpPr>
-          <p:cNvPr id="4" name="Rectangle 3">
-            <a:extLst>
-              <a:ext uri="{FF2B5EF4-FFF2-40B4-BE49-F238E27FC236}">
-                <a16:creationId xmlns:a16="http://schemas.microsoft.com/office/drawing/2014/main" id="{2A2B8CBE-1DFB-4118-9E3A-7314C109A84D}"/>
-              </a:ext>
-            </a:extLst>
-          </p:cNvPr>
-          <p:cNvSpPr/>
-          <p:nvPr/>
-        </p:nvSpPr>
-        <p:spPr>
-          <a:xfrm>
-            <a:off x="6425476" y="3009868"/>
-            <a:ext cx="5330583" cy="3059628"/>
-          </a:xfrm>
-          <a:prstGeom prst="rect">
-            <a:avLst/>
-          </a:prstGeom>
-          <a:gradFill flip="none" rotWithShape="1">
-            <a:gsLst>
-              <a:gs pos="43000">
-                <a:srgbClr val="F0F1F2"/>
-              </a:gs>
-              <a:gs pos="100000">
-                <a:srgbClr val="B3C1C5"/>
-              </a:gs>
-            </a:gsLst>
-            <a:lin ang="5400000" scaled="1"/>
-            <a:tileRect/>
-          </a:gradFill>
-          <a:ln>
-            <a:noFill/>
-          </a:ln>
-          <a:effectLst>
-            <a:outerShdw blurRad="63500" sx="102000" sy="102000" algn="ctr" rotWithShape="0">
-              <a:prstClr val="black">
-                <a:alpha val="40000"/>
-              </a:prstClr>
-            </a:outerShdw>
-          </a:effectLst>
-        </p:spPr>
-        <p:style>
-          <a:lnRef idx="2">
-            <a:schemeClr val="accent1">
-              <a:shade val="50000"/>
-            </a:schemeClr>
-          </a:lnRef>
-          <a:fillRef idx="1">
-            <a:schemeClr val="accent1"/>
-          </a:fillRef>
-          <a:effectRef idx="0">
-            <a:schemeClr val="accent1"/>
-          </a:effectRef>
-          <a:fontRef idx="minor">
-            <a:schemeClr val="lt1"/>
-          </a:fontRef>
-        </p:style>
-        <p:txBody>
-          <a:bodyPr rtlCol="0" anchor="ctr"/>
-          <a:lstStyle/>
-          <a:p>
-            <a:pPr marL="0" marR="0" lvl="0" indent="0" algn="ctr" defTabSz="914400" rtl="0" eaLnBrk="1" fontAlgn="auto" latinLnBrk="0" hangingPunct="1">
-              <a:lnSpc>
-                <a:spcPct val="100000"/>
-              </a:lnSpc>
-              <a:spcBef>
-                <a:spcPts val="0"/>
-              </a:spcBef>
-              <a:spcAft>
-                <a:spcPts val="0"/>
-              </a:spcAft>
-              <a:buClrTx/>
-              <a:buSzTx/>
-              <a:buFontTx/>
-              <a:buNone/>
-              <a:tabLst/>
-              <a:defRPr/>
-            </a:pPr>
-            <a:endParaRPr kumimoji="0" lang="pt-BR" sz="1800" b="0" i="0" u="none" strike="noStrike" kern="1200" cap="none" spc="0" normalizeH="0" baseline="0" noProof="0">
-              <a:ln>
-                <a:noFill/>
-              </a:ln>
-              <a:solidFill>
-                <a:prstClr val="white"/>
-              </a:solidFill>
-              <a:effectLst/>
-              <a:uLnTx/>
-              <a:uFillTx/>
-              <a:latin typeface="Calibri" panose="020F0502020204030204"/>
-              <a:ea typeface="+mn-ea"/>
-              <a:cs typeface="+mn-cs"/>
-            </a:endParaRPr>
-          </a:p>
-        </p:txBody>
-      </p:sp>
-      <p:sp>
-        <p:nvSpPr>
-          <p:cNvPr id="5" name="Rectangle: Rounded Corners 4">
-            <a:extLst>
-              <a:ext uri="{FF2B5EF4-FFF2-40B4-BE49-F238E27FC236}">
-                <a16:creationId xmlns:a16="http://schemas.microsoft.com/office/drawing/2014/main" id="{E39321EF-356D-4DB0-B4FC-236D1E721FEF}"/>
-              </a:ext>
-            </a:extLst>
-          </p:cNvPr>
-          <p:cNvSpPr/>
-          <p:nvPr/>
-        </p:nvSpPr>
-        <p:spPr>
-          <a:xfrm>
-            <a:off x="6425476" y="2641759"/>
-            <a:ext cx="5332133" cy="432257"/>
-          </a:xfrm>
-          <a:prstGeom prst="roundRect">
-            <a:avLst/>
-          </a:prstGeom>
-          <a:gradFill>
-            <a:gsLst>
-              <a:gs pos="0">
-                <a:schemeClr val="bg1">
-                  <a:lumMod val="75000"/>
-                </a:schemeClr>
-              </a:gs>
-              <a:gs pos="100000">
-                <a:schemeClr val="bg1"/>
-              </a:gs>
-            </a:gsLst>
-            <a:lin ang="5400000" scaled="1"/>
-          </a:gradFill>
-          <a:ln>
-            <a:noFill/>
-          </a:ln>
-          <a:effectLst>
-            <a:outerShdw blurRad="63500" sx="102000" sy="102000" algn="ctr" rotWithShape="0">
-              <a:prstClr val="black">
-                <a:alpha val="40000"/>
-              </a:prstClr>
-            </a:outerShdw>
-          </a:effectLst>
-        </p:spPr>
-        <p:style>
-          <a:lnRef idx="2">
-            <a:schemeClr val="accent1">
-              <a:shade val="50000"/>
-            </a:schemeClr>
-          </a:lnRef>
-          <a:fillRef idx="1">
-            <a:schemeClr val="accent1"/>
-          </a:fillRef>
-          <a:effectRef idx="0">
-            <a:schemeClr val="accent1"/>
-          </a:effectRef>
-          <a:fontRef idx="minor">
-            <a:schemeClr val="lt1"/>
-          </a:fontRef>
-        </p:style>
-        <p:txBody>
-          <a:bodyPr rtlCol="0" anchor="ctr"/>
-          <a:lstStyle/>
-          <a:p>
-            <a:pPr marL="0" marR="0" lvl="0" indent="0" algn="ctr" defTabSz="914400" rtl="0" eaLnBrk="1" fontAlgn="auto" latinLnBrk="0" hangingPunct="1">
-              <a:lnSpc>
-                <a:spcPct val="100000"/>
-              </a:lnSpc>
-              <a:spcBef>
-                <a:spcPts val="0"/>
-              </a:spcBef>
-              <a:spcAft>
-                <a:spcPts val="0"/>
-              </a:spcAft>
-              <a:buClrTx/>
-              <a:buSzTx/>
-              <a:buFontTx/>
-              <a:buNone/>
-              <a:tabLst/>
-              <a:defRPr/>
-            </a:pPr>
-            <a:r>
-              <a:rPr kumimoji="0" lang="pt-BR" sz="1800" b="0" i="0" u="none" strike="noStrike" kern="1200" cap="none" spc="0" normalizeH="0" baseline="0" noProof="0" dirty="0">
-                <a:ln>
-                  <a:noFill/>
-                </a:ln>
-                <a:solidFill>
-                  <a:prstClr val="black">
-                    <a:lumMod val="75000"/>
-                    <a:lumOff val="25000"/>
-                  </a:prstClr>
-                </a:solidFill>
-                <a:effectLst/>
-                <a:uLnTx/>
-                <a:uFillTx/>
-                <a:latin typeface="Cabin" panose="00000500000000000000" pitchFamily="2" charset="0"/>
-                <a:ea typeface="Roboto" panose="02000000000000000000" pitchFamily="2" charset="0"/>
-                <a:cs typeface="+mn-cs"/>
-              </a:rPr>
-              <a:t>Please select your theme</a:t>
-            </a:r>
-          </a:p>
-        </p:txBody>
-      </p:sp>
-      <p:sp>
-        <p:nvSpPr>
-          <p:cNvPr id="6" name="Oval 5">
-            <a:extLst>
-              <a:ext uri="{FF2B5EF4-FFF2-40B4-BE49-F238E27FC236}">
-                <a16:creationId xmlns:a16="http://schemas.microsoft.com/office/drawing/2014/main" id="{2E2687EE-7CAF-432C-8D59-54EB2F2B446C}"/>
-              </a:ext>
-            </a:extLst>
-          </p:cNvPr>
-          <p:cNvSpPr/>
-          <p:nvPr/>
-        </p:nvSpPr>
-        <p:spPr>
-          <a:xfrm>
-            <a:off x="11435593" y="2749887"/>
-            <a:ext cx="216000" cy="216000"/>
-          </a:xfrm>
-          <a:prstGeom prst="ellipse">
-            <a:avLst/>
-          </a:prstGeom>
-          <a:solidFill>
-            <a:srgbClr val="FF4343"/>
-          </a:solidFill>
-          <a:ln>
-            <a:noFill/>
-          </a:ln>
-          <a:effectLst>
-            <a:outerShdw blurRad="63500" sx="102000" sy="102000" algn="ctr" rotWithShape="0">
-              <a:prstClr val="black">
-                <a:alpha val="40000"/>
-              </a:prstClr>
-            </a:outerShdw>
-          </a:effectLst>
-        </p:spPr>
-        <p:style>
-          <a:lnRef idx="2">
-            <a:schemeClr val="accent1">
-              <a:shade val="50000"/>
-            </a:schemeClr>
-          </a:lnRef>
-          <a:fillRef idx="1">
-            <a:schemeClr val="accent1"/>
-          </a:fillRef>
-          <a:effectRef idx="0">
-            <a:schemeClr val="accent1"/>
-          </a:effectRef>
-          <a:fontRef idx="minor">
-            <a:schemeClr val="lt1"/>
-          </a:fontRef>
-        </p:style>
-        <p:txBody>
-          <a:bodyPr rtlCol="0" anchor="ctr"/>
-          <a:lstStyle/>
-          <a:p>
-            <a:pPr marL="0" marR="0" lvl="0" indent="0" algn="ctr" defTabSz="914400" rtl="0" eaLnBrk="1" fontAlgn="auto" latinLnBrk="0" hangingPunct="1">
-              <a:lnSpc>
-                <a:spcPct val="100000"/>
-              </a:lnSpc>
-              <a:spcBef>
-                <a:spcPts val="0"/>
-              </a:spcBef>
-              <a:spcAft>
-                <a:spcPts val="0"/>
-              </a:spcAft>
-              <a:buClrTx/>
-              <a:buSzTx/>
-              <a:buFontTx/>
-              <a:buNone/>
-              <a:tabLst/>
-              <a:defRPr/>
-            </a:pPr>
-            <a:endParaRPr kumimoji="0" lang="pt-BR" sz="1800" b="0" i="0" u="none" strike="noStrike" kern="1200" cap="none" spc="0" normalizeH="0" baseline="0" noProof="0">
-              <a:ln>
-                <a:noFill/>
-              </a:ln>
-              <a:solidFill>
-                <a:prstClr val="white"/>
-              </a:solidFill>
-              <a:effectLst/>
-              <a:uLnTx/>
-              <a:uFillTx/>
-              <a:latin typeface="Calibri" panose="020F0502020204030204"/>
-              <a:ea typeface="+mn-ea"/>
-              <a:cs typeface="+mn-cs"/>
-            </a:endParaRPr>
-          </a:p>
-        </p:txBody>
-      </p:sp>
-      <p:sp>
-        <p:nvSpPr>
-          <p:cNvPr id="7" name="Oval 6">
-            <a:extLst>
-              <a:ext uri="{FF2B5EF4-FFF2-40B4-BE49-F238E27FC236}">
-                <a16:creationId xmlns:a16="http://schemas.microsoft.com/office/drawing/2014/main" id="{8FED9FB8-77DC-4AF5-B0BF-6A23C5617075}"/>
-              </a:ext>
-            </a:extLst>
-          </p:cNvPr>
-          <p:cNvSpPr/>
-          <p:nvPr/>
-        </p:nvSpPr>
-        <p:spPr>
-          <a:xfrm>
-            <a:off x="11157975" y="2749887"/>
-            <a:ext cx="216000" cy="216000"/>
-          </a:xfrm>
-          <a:prstGeom prst="ellipse">
-            <a:avLst/>
-          </a:prstGeom>
-          <a:solidFill>
-            <a:srgbClr val="6666FF"/>
-          </a:solidFill>
-          <a:ln>
-            <a:noFill/>
-          </a:ln>
-          <a:effectLst>
-            <a:outerShdw blurRad="63500" sx="102000" sy="102000" algn="ctr" rotWithShape="0">
-              <a:prstClr val="black">
-                <a:alpha val="40000"/>
-              </a:prstClr>
-            </a:outerShdw>
-          </a:effectLst>
-        </p:spPr>
-        <p:style>
-          <a:lnRef idx="2">
-            <a:schemeClr val="accent1">
-              <a:shade val="50000"/>
-            </a:schemeClr>
-          </a:lnRef>
-          <a:fillRef idx="1">
-            <a:schemeClr val="accent1"/>
-          </a:fillRef>
-          <a:effectRef idx="0">
-            <a:schemeClr val="accent1"/>
-          </a:effectRef>
-          <a:fontRef idx="minor">
-            <a:schemeClr val="lt1"/>
-          </a:fontRef>
-        </p:style>
-        <p:txBody>
-          <a:bodyPr rtlCol="0" anchor="ctr"/>
-          <a:lstStyle/>
-          <a:p>
-            <a:pPr marL="0" marR="0" lvl="0" indent="0" algn="ctr" defTabSz="914400" rtl="0" eaLnBrk="1" fontAlgn="auto" latinLnBrk="0" hangingPunct="1">
-              <a:lnSpc>
-                <a:spcPct val="100000"/>
-              </a:lnSpc>
-              <a:spcBef>
-                <a:spcPts val="0"/>
-              </a:spcBef>
-              <a:spcAft>
-                <a:spcPts val="0"/>
-              </a:spcAft>
-              <a:buClrTx/>
-              <a:buSzTx/>
-              <a:buFontTx/>
-              <a:buNone/>
-              <a:tabLst/>
-              <a:defRPr/>
-            </a:pPr>
-            <a:endParaRPr kumimoji="0" lang="pt-BR" sz="1800" b="0" i="0" u="none" strike="noStrike" kern="1200" cap="none" spc="0" normalizeH="0" baseline="0" noProof="0">
-              <a:ln>
-                <a:noFill/>
-              </a:ln>
-              <a:solidFill>
-                <a:prstClr val="white"/>
-              </a:solidFill>
-              <a:effectLst/>
-              <a:uLnTx/>
-              <a:uFillTx/>
-              <a:latin typeface="Calibri" panose="020F0502020204030204"/>
-              <a:ea typeface="+mn-ea"/>
-              <a:cs typeface="+mn-cs"/>
-            </a:endParaRPr>
-          </a:p>
-        </p:txBody>
-      </p:sp>
-      <p:sp>
-        <p:nvSpPr>
-          <p:cNvPr id="8" name="Oval 7">
-            <a:extLst>
-              <a:ext uri="{FF2B5EF4-FFF2-40B4-BE49-F238E27FC236}">
-                <a16:creationId xmlns:a16="http://schemas.microsoft.com/office/drawing/2014/main" id="{2D8EFC65-4D4D-45BC-BB3D-8E84B53BEA29}"/>
-              </a:ext>
-            </a:extLst>
-          </p:cNvPr>
-          <p:cNvSpPr/>
-          <p:nvPr/>
-        </p:nvSpPr>
-        <p:spPr>
-          <a:xfrm>
-            <a:off x="10880357" y="2749887"/>
-            <a:ext cx="216000" cy="216000"/>
-          </a:xfrm>
-          <a:prstGeom prst="ellipse">
-            <a:avLst/>
-          </a:prstGeom>
-          <a:solidFill>
-            <a:schemeClr val="tx1">
-              <a:lumMod val="85000"/>
-              <a:lumOff val="15000"/>
-            </a:schemeClr>
-          </a:solidFill>
-          <a:ln>
-            <a:noFill/>
-          </a:ln>
-          <a:effectLst>
-            <a:outerShdw blurRad="63500" sx="102000" sy="102000" algn="ctr" rotWithShape="0">
-              <a:prstClr val="black">
-                <a:alpha val="40000"/>
-              </a:prstClr>
-            </a:outerShdw>
-          </a:effectLst>
-        </p:spPr>
-        <p:style>
-          <a:lnRef idx="2">
-            <a:schemeClr val="accent1">
-              <a:shade val="50000"/>
-            </a:schemeClr>
-          </a:lnRef>
-          <a:fillRef idx="1">
-            <a:schemeClr val="accent1"/>
-          </a:fillRef>
-          <a:effectRef idx="0">
-            <a:schemeClr val="accent1"/>
-          </a:effectRef>
-          <a:fontRef idx="minor">
-            <a:schemeClr val="lt1"/>
-          </a:fontRef>
-        </p:style>
-        <p:txBody>
-          <a:bodyPr rtlCol="0" anchor="ctr"/>
-          <a:lstStyle/>
-          <a:p>
-            <a:pPr marL="0" marR="0" lvl="0" indent="0" algn="ctr" defTabSz="914400" rtl="0" eaLnBrk="1" fontAlgn="auto" latinLnBrk="0" hangingPunct="1">
-              <a:lnSpc>
-                <a:spcPct val="100000"/>
-              </a:lnSpc>
-              <a:spcBef>
-                <a:spcPts val="0"/>
-              </a:spcBef>
-              <a:spcAft>
-                <a:spcPts val="0"/>
-              </a:spcAft>
-              <a:buClrTx/>
-              <a:buSzTx/>
-              <a:buFontTx/>
-              <a:buNone/>
-              <a:tabLst/>
-              <a:defRPr/>
-            </a:pPr>
-            <a:endParaRPr kumimoji="0" lang="pt-BR" sz="1800" b="0" i="0" u="none" strike="noStrike" kern="1200" cap="none" spc="0" normalizeH="0" baseline="0" noProof="0">
-              <a:ln>
-                <a:noFill/>
-              </a:ln>
-              <a:solidFill>
-                <a:prstClr val="white"/>
-              </a:solidFill>
-              <a:effectLst/>
-              <a:uLnTx/>
-              <a:uFillTx/>
-              <a:latin typeface="Calibri" panose="020F0502020204030204"/>
-              <a:ea typeface="+mn-ea"/>
-              <a:cs typeface="+mn-cs"/>
-            </a:endParaRPr>
-          </a:p>
-        </p:txBody>
-      </p:sp>
-      <p:sp>
-        <p:nvSpPr>
-          <p:cNvPr id="9" name="Oval 8">
-            <a:extLst>
-              <a:ext uri="{FF2B5EF4-FFF2-40B4-BE49-F238E27FC236}">
-                <a16:creationId xmlns:a16="http://schemas.microsoft.com/office/drawing/2014/main" id="{70490C61-7993-452B-A37C-63F0A108944C}"/>
-              </a:ext>
-            </a:extLst>
-          </p:cNvPr>
-          <p:cNvSpPr/>
-          <p:nvPr/>
-        </p:nvSpPr>
-        <p:spPr>
-          <a:xfrm>
-            <a:off x="10602739" y="2749887"/>
-            <a:ext cx="216000" cy="216000"/>
-          </a:xfrm>
-          <a:prstGeom prst="ellipse">
-            <a:avLst/>
-          </a:prstGeom>
-          <a:solidFill>
-            <a:srgbClr val="FFC000"/>
-          </a:solidFill>
-          <a:ln>
-            <a:noFill/>
-          </a:ln>
-          <a:effectLst>
-            <a:outerShdw blurRad="63500" sx="102000" sy="102000" algn="ctr" rotWithShape="0">
-              <a:prstClr val="black">
-                <a:alpha val="40000"/>
-              </a:prstClr>
-            </a:outerShdw>
-          </a:effectLst>
-        </p:spPr>
-        <p:style>
-          <a:lnRef idx="2">
-            <a:schemeClr val="accent1">
-              <a:shade val="50000"/>
-            </a:schemeClr>
-          </a:lnRef>
-          <a:fillRef idx="1">
-            <a:schemeClr val="accent1"/>
-          </a:fillRef>
-          <a:effectRef idx="0">
-            <a:schemeClr val="accent1"/>
-          </a:effectRef>
-          <a:fontRef idx="minor">
-            <a:schemeClr val="lt1"/>
-          </a:fontRef>
-        </p:style>
-        <p:txBody>
-          <a:bodyPr rtlCol="0" anchor="ctr"/>
-          <a:lstStyle/>
-          <a:p>
-            <a:pPr marL="0" marR="0" lvl="0" indent="0" algn="ctr" defTabSz="914400" rtl="0" eaLnBrk="1" fontAlgn="auto" latinLnBrk="0" hangingPunct="1">
-              <a:lnSpc>
-                <a:spcPct val="100000"/>
-              </a:lnSpc>
-              <a:spcBef>
-                <a:spcPts val="0"/>
-              </a:spcBef>
-              <a:spcAft>
-                <a:spcPts val="0"/>
-              </a:spcAft>
-              <a:buClrTx/>
-              <a:buSzTx/>
-              <a:buFontTx/>
-              <a:buNone/>
-              <a:tabLst/>
-              <a:defRPr/>
-            </a:pPr>
-            <a:endParaRPr kumimoji="0" lang="pt-BR" sz="1800" b="0" i="0" u="none" strike="noStrike" kern="1200" cap="none" spc="0" normalizeH="0" baseline="0" noProof="0">
-              <a:ln>
-                <a:noFill/>
-              </a:ln>
-              <a:solidFill>
-                <a:prstClr val="white"/>
-              </a:solidFill>
-              <a:effectLst/>
-              <a:uLnTx/>
-              <a:uFillTx/>
-              <a:latin typeface="Calibri" panose="020F0502020204030204"/>
-              <a:ea typeface="+mn-ea"/>
-              <a:cs typeface="+mn-cs"/>
-            </a:endParaRPr>
-          </a:p>
-        </p:txBody>
-      </p:sp>
-      <p:sp>
-        <p:nvSpPr>
-          <p:cNvPr id="10" name="Oval 9">
-            <a:extLst>
-              <a:ext uri="{FF2B5EF4-FFF2-40B4-BE49-F238E27FC236}">
-                <a16:creationId xmlns:a16="http://schemas.microsoft.com/office/drawing/2014/main" id="{A8903370-45FD-4B01-A0D9-880759726E06}"/>
-              </a:ext>
-            </a:extLst>
-          </p:cNvPr>
-          <p:cNvSpPr/>
-          <p:nvPr/>
-        </p:nvSpPr>
-        <p:spPr>
-          <a:xfrm>
-            <a:off x="6489920" y="2749383"/>
-            <a:ext cx="216000" cy="216000"/>
-          </a:xfrm>
-          <a:prstGeom prst="ellipse">
-            <a:avLst/>
-          </a:prstGeom>
-          <a:gradFill flip="none" rotWithShape="1">
-            <a:gsLst>
-              <a:gs pos="29000">
-                <a:srgbClr val="7030A0"/>
-              </a:gs>
-              <a:gs pos="46000">
-                <a:srgbClr val="0070C0"/>
-              </a:gs>
-              <a:gs pos="0">
-                <a:srgbClr val="00B0F0"/>
-              </a:gs>
-              <a:gs pos="100000">
-                <a:srgbClr val="6600FF"/>
-              </a:gs>
-            </a:gsLst>
-            <a:path path="circle">
-              <a:fillToRect l="50000" t="130000" r="50000" b="-30000"/>
-            </a:path>
-            <a:tileRect/>
-          </a:gradFill>
-          <a:ln>
-            <a:noFill/>
-          </a:ln>
-          <a:effectLst>
-            <a:outerShdw blurRad="63500" sx="102000" sy="102000" algn="ctr" rotWithShape="0">
-              <a:prstClr val="black">
-                <a:alpha val="40000"/>
-              </a:prstClr>
-            </a:outerShdw>
-          </a:effectLst>
-        </p:spPr>
-        <p:style>
-          <a:lnRef idx="2">
-            <a:schemeClr val="accent1">
-              <a:shade val="50000"/>
-            </a:schemeClr>
-          </a:lnRef>
-          <a:fillRef idx="1">
-            <a:schemeClr val="accent1"/>
-          </a:fillRef>
-          <a:effectRef idx="0">
-            <a:schemeClr val="accent1"/>
-          </a:effectRef>
-          <a:fontRef idx="minor">
-            <a:schemeClr val="lt1"/>
-          </a:fontRef>
-        </p:style>
-        <p:txBody>
-          <a:bodyPr rtlCol="0" anchor="ctr"/>
-          <a:lstStyle/>
-          <a:p>
-            <a:pPr marL="0" marR="0" lvl="0" indent="0" algn="ctr" defTabSz="914400" rtl="0" eaLnBrk="1" fontAlgn="auto" latinLnBrk="0" hangingPunct="1">
-              <a:lnSpc>
-                <a:spcPct val="100000"/>
-              </a:lnSpc>
-              <a:spcBef>
-                <a:spcPts val="0"/>
-              </a:spcBef>
-              <a:spcAft>
-                <a:spcPts val="0"/>
-              </a:spcAft>
-              <a:buClrTx/>
-              <a:buSzTx/>
-              <a:buFontTx/>
-              <a:buNone/>
-              <a:tabLst/>
-              <a:defRPr/>
-            </a:pPr>
-            <a:endParaRPr kumimoji="0" lang="pt-BR" sz="1800" b="0" i="0" u="none" strike="noStrike" kern="1200" cap="none" spc="0" normalizeH="0" baseline="0" noProof="0">
-              <a:ln>
-                <a:noFill/>
-              </a:ln>
-              <a:solidFill>
-                <a:prstClr val="white"/>
-              </a:solidFill>
-              <a:effectLst/>
-              <a:uLnTx/>
-              <a:uFillTx/>
-              <a:latin typeface="Calibri" panose="020F0502020204030204"/>
-              <a:ea typeface="+mn-ea"/>
-              <a:cs typeface="+mn-cs"/>
-            </a:endParaRPr>
-          </a:p>
-        </p:txBody>
-      </p:sp>
-      <p:sp>
-        <p:nvSpPr>
-          <p:cNvPr id="11" name="Rectangle: Rounded Corners 10">
-            <a:extLst>
-              <a:ext uri="{FF2B5EF4-FFF2-40B4-BE49-F238E27FC236}">
-                <a16:creationId xmlns:a16="http://schemas.microsoft.com/office/drawing/2014/main" id="{B36639CD-2E24-4E25-AF3C-16CBF120F40E}"/>
-              </a:ext>
-            </a:extLst>
-          </p:cNvPr>
-          <p:cNvSpPr/>
-          <p:nvPr/>
-        </p:nvSpPr>
-        <p:spPr>
-          <a:xfrm>
-            <a:off x="6745452" y="3294239"/>
-            <a:ext cx="1961226" cy="2496961"/>
-          </a:xfrm>
-          <a:prstGeom prst="roundRect">
-            <a:avLst/>
-          </a:prstGeom>
-          <a:gradFill>
-            <a:gsLst>
-              <a:gs pos="0">
-                <a:schemeClr val="bg1">
-                  <a:lumMod val="75000"/>
-                </a:schemeClr>
-              </a:gs>
-              <a:gs pos="100000">
-                <a:schemeClr val="bg1"/>
-              </a:gs>
-            </a:gsLst>
-            <a:lin ang="5400000" scaled="1"/>
-          </a:gradFill>
-          <a:ln>
-            <a:noFill/>
-          </a:ln>
-          <a:effectLst>
-            <a:outerShdw blurRad="63500" sx="102000" sy="102000" algn="ctr" rotWithShape="0">
-              <a:prstClr val="black">
-                <a:alpha val="40000"/>
-              </a:prstClr>
-            </a:outerShdw>
-          </a:effectLst>
-        </p:spPr>
-        <p:style>
-          <a:lnRef idx="2">
-            <a:schemeClr val="accent1">
-              <a:shade val="50000"/>
-            </a:schemeClr>
-          </a:lnRef>
-          <a:fillRef idx="1">
-            <a:schemeClr val="accent1"/>
-          </a:fillRef>
-          <a:effectRef idx="0">
-            <a:schemeClr val="accent1"/>
-          </a:effectRef>
-          <a:fontRef idx="minor">
-            <a:schemeClr val="lt1"/>
-          </a:fontRef>
-        </p:style>
-        <p:txBody>
-          <a:bodyPr rtlCol="0" anchor="ctr"/>
-          <a:lstStyle/>
-          <a:p>
-            <a:pPr marL="0" marR="0" lvl="0" indent="0" algn="ctr" defTabSz="914400" rtl="0" eaLnBrk="1" fontAlgn="auto" latinLnBrk="0" hangingPunct="1">
-              <a:lnSpc>
-                <a:spcPct val="100000"/>
-              </a:lnSpc>
-              <a:spcBef>
-                <a:spcPts val="0"/>
-              </a:spcBef>
-              <a:spcAft>
-                <a:spcPts val="0"/>
-              </a:spcAft>
-              <a:buClrTx/>
-              <a:buSzTx/>
-              <a:buFontTx/>
-              <a:buNone/>
-              <a:tabLst/>
-              <a:defRPr/>
-            </a:pPr>
-            <a:endParaRPr kumimoji="0" lang="pt-BR" sz="1800" b="0" i="0" u="none" strike="noStrike" kern="1200" cap="none" spc="0" normalizeH="0" baseline="0" noProof="0" dirty="0">
-              <a:ln>
-                <a:noFill/>
-              </a:ln>
-              <a:solidFill>
-                <a:prstClr val="black">
-                  <a:lumMod val="75000"/>
-                  <a:lumOff val="25000"/>
-                </a:prstClr>
-              </a:solidFill>
-              <a:effectLst/>
-              <a:uLnTx/>
-              <a:uFillTx/>
-              <a:latin typeface="Cabin" panose="00000500000000000000" pitchFamily="2" charset="0"/>
-              <a:ea typeface="Roboto" panose="02000000000000000000" pitchFamily="2" charset="0"/>
-              <a:cs typeface="+mn-cs"/>
-            </a:endParaRPr>
-          </a:p>
-        </p:txBody>
-      </p:sp>
-      <p:sp>
-        <p:nvSpPr>
-          <p:cNvPr id="13" name="Rectangle 12">
-            <a:extLst>
-              <a:ext uri="{FF2B5EF4-FFF2-40B4-BE49-F238E27FC236}">
-                <a16:creationId xmlns:a16="http://schemas.microsoft.com/office/drawing/2014/main" id="{167AD246-CF3B-4479-8B6F-C3D58F814072}"/>
-              </a:ext>
-            </a:extLst>
-          </p:cNvPr>
-          <p:cNvSpPr/>
-          <p:nvPr/>
-        </p:nvSpPr>
-        <p:spPr>
-          <a:xfrm>
-            <a:off x="6741803" y="5421868"/>
-            <a:ext cx="1961226" cy="369332"/>
-          </a:xfrm>
-          <a:prstGeom prst="rect">
-            <a:avLst/>
-          </a:prstGeom>
-        </p:spPr>
-        <p:txBody>
-          <a:bodyPr wrap="square">
-            <a:spAutoFit/>
-          </a:bodyPr>
-          <a:lstStyle/>
-          <a:p>
-            <a:pPr marL="0" marR="0" lvl="0" indent="0" algn="ctr" defTabSz="914400" rtl="0" eaLnBrk="1" fontAlgn="auto" latinLnBrk="0" hangingPunct="1">
-              <a:lnSpc>
-                <a:spcPct val="100000"/>
-              </a:lnSpc>
-              <a:spcBef>
-                <a:spcPts val="0"/>
-              </a:spcBef>
-              <a:spcAft>
-                <a:spcPts val="0"/>
-              </a:spcAft>
-              <a:buClrTx/>
-              <a:buSzTx/>
-              <a:buFontTx/>
-              <a:buNone/>
-              <a:tabLst/>
-              <a:defRPr/>
-            </a:pPr>
-            <a:r>
-              <a:rPr kumimoji="0" lang="pt-BR" sz="1800" b="0" i="0" u="none" strike="noStrike" kern="1200" cap="none" spc="0" normalizeH="0" baseline="0" noProof="0" dirty="0">
-                <a:ln>
-                  <a:noFill/>
-                </a:ln>
-                <a:solidFill>
-                  <a:prstClr val="black">
-                    <a:lumMod val="75000"/>
-                    <a:lumOff val="25000"/>
-                  </a:prstClr>
-                </a:solidFill>
-                <a:effectLst/>
-                <a:uLnTx/>
-                <a:uFillTx/>
-                <a:latin typeface="Cabin" panose="00000500000000000000" pitchFamily="2" charset="0"/>
-                <a:ea typeface="Roboto" panose="02000000000000000000" pitchFamily="2" charset="0"/>
-                <a:cs typeface="+mn-cs"/>
-              </a:rPr>
-              <a:t>Delicate</a:t>
-            </a:r>
-          </a:p>
-        </p:txBody>
-      </p:sp>
-      <p:sp>
-        <p:nvSpPr>
-          <p:cNvPr id="15" name="Rectangle: Rounded Corners 14">
-            <a:extLst>
-              <a:ext uri="{FF2B5EF4-FFF2-40B4-BE49-F238E27FC236}">
-                <a16:creationId xmlns:a16="http://schemas.microsoft.com/office/drawing/2014/main" id="{AF09B845-13DF-49D1-994E-DCCCEDA9A2B6}"/>
-              </a:ext>
-            </a:extLst>
-          </p:cNvPr>
-          <p:cNvSpPr/>
-          <p:nvPr/>
-        </p:nvSpPr>
-        <p:spPr>
-          <a:xfrm>
-            <a:off x="9412749" y="3294239"/>
-            <a:ext cx="1961226" cy="2496961"/>
-          </a:xfrm>
-          <a:prstGeom prst="roundRect">
-            <a:avLst/>
-          </a:prstGeom>
-          <a:gradFill>
-            <a:gsLst>
-              <a:gs pos="0">
-                <a:schemeClr val="bg1">
-                  <a:lumMod val="75000"/>
-                </a:schemeClr>
-              </a:gs>
-              <a:gs pos="100000">
-                <a:schemeClr val="bg1"/>
-              </a:gs>
-            </a:gsLst>
-            <a:lin ang="5400000" scaled="1"/>
-          </a:gradFill>
-          <a:ln>
-            <a:noFill/>
-          </a:ln>
-          <a:effectLst>
-            <a:outerShdw blurRad="63500" sx="102000" sy="102000" algn="ctr" rotWithShape="0">
-              <a:prstClr val="black">
-                <a:alpha val="40000"/>
-              </a:prstClr>
-            </a:outerShdw>
-          </a:effectLst>
-        </p:spPr>
-        <p:style>
-          <a:lnRef idx="2">
-            <a:schemeClr val="accent1">
-              <a:shade val="50000"/>
-            </a:schemeClr>
-          </a:lnRef>
-          <a:fillRef idx="1">
-            <a:schemeClr val="accent1"/>
-          </a:fillRef>
-          <a:effectRef idx="0">
-            <a:schemeClr val="accent1"/>
-          </a:effectRef>
-          <a:fontRef idx="minor">
-            <a:schemeClr val="lt1"/>
-          </a:fontRef>
-        </p:style>
-        <p:txBody>
-          <a:bodyPr rtlCol="0" anchor="ctr"/>
-          <a:lstStyle/>
-          <a:p>
-            <a:pPr marL="0" marR="0" lvl="0" indent="0" algn="ctr" defTabSz="914400" rtl="0" eaLnBrk="1" fontAlgn="auto" latinLnBrk="0" hangingPunct="1">
-              <a:lnSpc>
-                <a:spcPct val="100000"/>
-              </a:lnSpc>
-              <a:spcBef>
-                <a:spcPts val="0"/>
-              </a:spcBef>
-              <a:spcAft>
-                <a:spcPts val="0"/>
-              </a:spcAft>
-              <a:buClrTx/>
-              <a:buSzTx/>
-              <a:buFontTx/>
-              <a:buNone/>
-              <a:tabLst/>
-              <a:defRPr/>
-            </a:pPr>
-            <a:endParaRPr kumimoji="0" lang="pt-BR" sz="1800" b="0" i="0" u="none" strike="noStrike" kern="1200" cap="none" spc="0" normalizeH="0" baseline="0" noProof="0" dirty="0">
-              <a:ln>
-                <a:noFill/>
-              </a:ln>
-              <a:solidFill>
-                <a:prstClr val="black">
-                  <a:lumMod val="75000"/>
-                  <a:lumOff val="25000"/>
-                </a:prstClr>
-              </a:solidFill>
-              <a:effectLst/>
-              <a:uLnTx/>
-              <a:uFillTx/>
-              <a:latin typeface="Cabin" panose="00000500000000000000" pitchFamily="2" charset="0"/>
-              <a:ea typeface="Roboto" panose="02000000000000000000" pitchFamily="2" charset="0"/>
-              <a:cs typeface="+mn-cs"/>
-            </a:endParaRPr>
-          </a:p>
-        </p:txBody>
-      </p:sp>
-      <p:sp>
-        <p:nvSpPr>
-          <p:cNvPr id="14" name="Rectangle 13">
-            <a:extLst>
-              <a:ext uri="{FF2B5EF4-FFF2-40B4-BE49-F238E27FC236}">
-                <a16:creationId xmlns:a16="http://schemas.microsoft.com/office/drawing/2014/main" id="{EC2C1A37-734D-4FD0-B106-82CD014DCFE3}"/>
-              </a:ext>
-            </a:extLst>
-          </p:cNvPr>
-          <p:cNvSpPr/>
-          <p:nvPr/>
-        </p:nvSpPr>
-        <p:spPr>
-          <a:xfrm>
-            <a:off x="9414503" y="5422289"/>
-            <a:ext cx="1959472" cy="369332"/>
-          </a:xfrm>
-          <a:prstGeom prst="rect">
-            <a:avLst/>
-          </a:prstGeom>
-        </p:spPr>
-        <p:txBody>
-          <a:bodyPr wrap="square">
-            <a:spAutoFit/>
-          </a:bodyPr>
-          <a:lstStyle/>
-          <a:p>
-            <a:pPr marL="0" marR="0" lvl="0" indent="0" algn="ctr" defTabSz="914400" rtl="0" eaLnBrk="1" fontAlgn="auto" latinLnBrk="0" hangingPunct="1">
-              <a:lnSpc>
-                <a:spcPct val="100000"/>
-              </a:lnSpc>
-              <a:spcBef>
-                <a:spcPts val="0"/>
-              </a:spcBef>
-              <a:spcAft>
-                <a:spcPts val="0"/>
-              </a:spcAft>
-              <a:buClrTx/>
-              <a:buSzTx/>
-              <a:buFontTx/>
-              <a:buNone/>
-              <a:tabLst/>
-              <a:defRPr/>
-            </a:pPr>
-            <a:r>
-              <a:rPr kumimoji="0" lang="pt-BR" sz="1800" b="0" i="0" u="none" strike="noStrike" kern="1200" cap="none" spc="0" normalizeH="0" baseline="0" noProof="0" dirty="0">
-                <a:ln>
-                  <a:noFill/>
-                </a:ln>
-                <a:solidFill>
-                  <a:prstClr val="black">
-                    <a:lumMod val="75000"/>
-                    <a:lumOff val="25000"/>
-                  </a:prstClr>
-                </a:solidFill>
-                <a:effectLst/>
-                <a:uLnTx/>
-                <a:uFillTx/>
-                <a:latin typeface="Cabin" panose="00000500000000000000" pitchFamily="2" charset="0"/>
-                <a:ea typeface="Roboto" panose="02000000000000000000" pitchFamily="2" charset="0"/>
-                <a:cs typeface="+mn-cs"/>
-              </a:rPr>
-              <a:t>Common Design</a:t>
-            </a:r>
-          </a:p>
-        </p:txBody>
-      </p:sp>
-      <p:pic>
-        <p:nvPicPr>
-          <p:cNvPr id="17" name="Picture 16">
-            <a:extLst>
-              <a:ext uri="{FF2B5EF4-FFF2-40B4-BE49-F238E27FC236}">
-                <a16:creationId xmlns:a16="http://schemas.microsoft.com/office/drawing/2014/main" id="{578FFAC3-A192-4C6C-A152-E8F88F4A5FEC}"/>
-              </a:ext>
-            </a:extLst>
-          </p:cNvPr>
-          <p:cNvPicPr>
-            <a:picLocks noChangeAspect="1"/>
-          </p:cNvPicPr>
-          <p:nvPr/>
-        </p:nvPicPr>
-        <p:blipFill>
-          <a:blip r:embed="rId2"/>
-          <a:stretch>
-            <a:fillRect/>
-          </a:stretch>
-        </p:blipFill>
-        <p:spPr>
-          <a:xfrm>
-            <a:off x="6746700" y="3750927"/>
-            <a:ext cx="1956329" cy="1582326"/>
-          </a:xfrm>
-          <a:prstGeom prst="rect">
-            <a:avLst/>
-          </a:prstGeom>
-        </p:spPr>
-      </p:pic>
-    </p:spTree>
-    <p:extLst>
-      <p:ext uri="{BB962C8B-B14F-4D97-AF65-F5344CB8AC3E}">
-        <p14:creationId xmlns:p14="http://schemas.microsoft.com/office/powerpoint/2010/main" val="790550917"/>
-      </p:ext>
-    </p:extLst>
-  </p:cSld>
-  <p:clrMapOvr>
-    <a:masterClrMapping/>
-  </p:clrMapOvr>
-</p:sld>
-</file>
-
 <file path=ppt/theme/theme1.xml><?xml version="1.0" encoding="utf-8"?>
 <a:theme xmlns:a="http://schemas.openxmlformats.org/drawingml/2006/main" name="Office Theme">
   <a:themeElements>
